--- a/PPT/Team presentation-1.pptx
+++ b/PPT/Team presentation-1.pptx
@@ -16,8 +16,7 @@
     <p:sldId id="266" r:id="rId10"/>
     <p:sldId id="261" r:id="rId11"/>
     <p:sldId id="265" r:id="rId12"/>
-    <p:sldId id="267" r:id="rId13"/>
-    <p:sldId id="268" r:id="rId14"/>
+    <p:sldId id="268" r:id="rId13"/>
   </p:sldIdLst>
   <p:sldSz cx="12192000" cy="6858000"/>
   <p:notesSz cx="6858000" cy="9144000"/>
@@ -899,7 +898,7 @@
         <a:lstStyle/>
         <a:p>
           <a:r>
-            <a:rPr lang="en-US" altLang="zh-TW" dirty="0" smtClean="0"/>
+            <a:rPr lang="en-US" altLang="zh-TW" dirty="0"/>
             <a:t>Data</a:t>
           </a:r>
           <a:endParaRPr lang="zh-TW" altLang="en-US" dirty="0"/>
@@ -942,7 +941,7 @@
         <a:lstStyle/>
         <a:p>
           <a:r>
-            <a:rPr lang="en-US" altLang="zh-TW" dirty="0" smtClean="0"/>
+            <a:rPr lang="en-US" altLang="zh-TW" dirty="0"/>
             <a:t>annotations</a:t>
           </a:r>
           <a:endParaRPr lang="zh-TW" altLang="en-US" dirty="0"/>
@@ -979,7 +978,7 @@
         <a:lstStyle/>
         <a:p>
           <a:r>
-            <a:rPr lang="en-US" b="1" i="0" u="sng" dirty="0" smtClean="0"/>
+            <a:rPr lang="en-US" b="1" i="0" u="sng" dirty="0"/>
             <a:t>nugget</a:t>
           </a:r>
           <a:endParaRPr lang="zh-TW" altLang="en-US" b="1" u="sng" dirty="0"/>
@@ -1022,7 +1021,7 @@
         <a:lstStyle/>
         <a:p>
           <a:r>
-            <a:rPr lang="en-US" altLang="zh-TW" dirty="0" smtClean="0"/>
+            <a:rPr lang="en-US" altLang="zh-TW" dirty="0"/>
             <a:t>turns</a:t>
           </a:r>
           <a:endParaRPr lang="zh-TW" altLang="en-US" dirty="0"/>
@@ -1065,7 +1064,7 @@
         <a:lstStyle/>
         <a:p>
           <a:r>
-            <a:rPr lang="en-US" altLang="zh-TW" dirty="0" smtClean="0"/>
+            <a:rPr lang="en-US" altLang="zh-TW" dirty="0"/>
             <a:t>id</a:t>
           </a:r>
           <a:endParaRPr lang="zh-TW" altLang="en-US" dirty="0"/>
@@ -1102,7 +1101,7 @@
         <a:lstStyle/>
         <a:p>
           <a:r>
-            <a:rPr lang="en-US" b="0" i="0" dirty="0" smtClean="0"/>
+            <a:rPr lang="en-US" b="0" i="0" dirty="0"/>
             <a:t>Dial-quality</a:t>
           </a:r>
           <a:endParaRPr lang="zh-TW" altLang="en-US" b="0" dirty="0"/>
@@ -1139,7 +1138,7 @@
         <a:lstStyle/>
         <a:p>
           <a:r>
-            <a:rPr lang="en-US" altLang="zh-TW" dirty="0" smtClean="0"/>
+            <a:rPr lang="en-US" altLang="zh-TW" dirty="0"/>
             <a:t>sender</a:t>
           </a:r>
           <a:endParaRPr lang="zh-TW" altLang="en-US" dirty="0"/>
@@ -1176,7 +1175,7 @@
         <a:lstStyle/>
         <a:p>
           <a:r>
-            <a:rPr lang="en-US" altLang="zh-TW" dirty="0" smtClean="0"/>
+            <a:rPr lang="en-US" altLang="zh-TW" dirty="0"/>
             <a:t>utterances</a:t>
           </a:r>
           <a:endParaRPr lang="zh-TW" altLang="en-US" dirty="0"/>
@@ -1216,13 +1215,6 @@
         </dgm:presLayoutVars>
       </dgm:prSet>
       <dgm:spPr/>
-      <dgm:t>
-        <a:bodyPr/>
-        <a:lstStyle/>
-        <a:p>
-          <a:endParaRPr lang="zh-TW" altLang="en-US"/>
-        </a:p>
-      </dgm:t>
     </dgm:pt>
     <dgm:pt modelId="{CA9FC56A-762E-4F2C-A74C-86EDE8F5EE2C}" type="pres">
       <dgm:prSet presAssocID="{B4E4D534-B367-4FD9-B618-978D501BFA9C}" presName="root1" presStyleCnt="0"/>
@@ -1235,13 +1227,6 @@
         </dgm:presLayoutVars>
       </dgm:prSet>
       <dgm:spPr/>
-      <dgm:t>
-        <a:bodyPr/>
-        <a:lstStyle/>
-        <a:p>
-          <a:endParaRPr lang="zh-TW" altLang="en-US"/>
-        </a:p>
-      </dgm:t>
     </dgm:pt>
     <dgm:pt modelId="{DC711879-CC8D-484E-9A01-51AABF7B5FEA}" type="pres">
       <dgm:prSet presAssocID="{B4E4D534-B367-4FD9-B618-978D501BFA9C}" presName="level2hierChild" presStyleCnt="0"/>
@@ -1250,24 +1235,10 @@
     <dgm:pt modelId="{CD97A8DA-DFA1-4676-AFA6-874846383FF8}" type="pres">
       <dgm:prSet presAssocID="{CBF48B8E-8354-47AD-9FBE-5B3729BB3F28}" presName="conn2-1" presStyleLbl="parChTrans1D2" presStyleIdx="0" presStyleCnt="3"/>
       <dgm:spPr/>
-      <dgm:t>
-        <a:bodyPr/>
-        <a:lstStyle/>
-        <a:p>
-          <a:endParaRPr lang="zh-TW" altLang="en-US"/>
-        </a:p>
-      </dgm:t>
     </dgm:pt>
     <dgm:pt modelId="{79F5EB3D-F212-40D8-A85B-68921DE6E07D}" type="pres">
       <dgm:prSet presAssocID="{CBF48B8E-8354-47AD-9FBE-5B3729BB3F28}" presName="connTx" presStyleLbl="parChTrans1D2" presStyleIdx="0" presStyleCnt="3"/>
       <dgm:spPr/>
-      <dgm:t>
-        <a:bodyPr/>
-        <a:lstStyle/>
-        <a:p>
-          <a:endParaRPr lang="zh-TW" altLang="en-US"/>
-        </a:p>
-      </dgm:t>
     </dgm:pt>
     <dgm:pt modelId="{724B0F0D-0CC8-4CE5-A4C8-590BF9B497D0}" type="pres">
       <dgm:prSet presAssocID="{C268E202-54A7-4898-A25A-30E73A90A4D2}" presName="root2" presStyleCnt="0"/>
@@ -1280,13 +1251,6 @@
         </dgm:presLayoutVars>
       </dgm:prSet>
       <dgm:spPr/>
-      <dgm:t>
-        <a:bodyPr/>
-        <a:lstStyle/>
-        <a:p>
-          <a:endParaRPr lang="zh-TW" altLang="en-US"/>
-        </a:p>
-      </dgm:t>
     </dgm:pt>
     <dgm:pt modelId="{3C2F8FA7-C959-41CD-9F40-6D0327E20887}" type="pres">
       <dgm:prSet presAssocID="{C268E202-54A7-4898-A25A-30E73A90A4D2}" presName="level3hierChild" presStyleCnt="0"/>
@@ -1295,24 +1259,10 @@
     <dgm:pt modelId="{C62ACD9F-5B11-4585-806B-BE53FF297B08}" type="pres">
       <dgm:prSet presAssocID="{82C2E175-68CE-4E80-893A-B921070AF15E}" presName="conn2-1" presStyleLbl="parChTrans1D3" presStyleIdx="0" presStyleCnt="4"/>
       <dgm:spPr/>
-      <dgm:t>
-        <a:bodyPr/>
-        <a:lstStyle/>
-        <a:p>
-          <a:endParaRPr lang="zh-TW" altLang="en-US"/>
-        </a:p>
-      </dgm:t>
     </dgm:pt>
     <dgm:pt modelId="{7E8CEDC8-B3A8-4692-9214-37E63FCF83E5}" type="pres">
       <dgm:prSet presAssocID="{82C2E175-68CE-4E80-893A-B921070AF15E}" presName="connTx" presStyleLbl="parChTrans1D3" presStyleIdx="0" presStyleCnt="4"/>
       <dgm:spPr/>
-      <dgm:t>
-        <a:bodyPr/>
-        <a:lstStyle/>
-        <a:p>
-          <a:endParaRPr lang="zh-TW" altLang="en-US"/>
-        </a:p>
-      </dgm:t>
     </dgm:pt>
     <dgm:pt modelId="{E883E62D-9C96-4DC4-8BE7-D52BD99D1AF5}" type="pres">
       <dgm:prSet presAssocID="{0B075EFA-A97B-479F-99DA-6F1DDE0B1BB5}" presName="root2" presStyleCnt="0"/>
@@ -1325,13 +1275,6 @@
         </dgm:presLayoutVars>
       </dgm:prSet>
       <dgm:spPr/>
-      <dgm:t>
-        <a:bodyPr/>
-        <a:lstStyle/>
-        <a:p>
-          <a:endParaRPr lang="zh-TW" altLang="en-US"/>
-        </a:p>
-      </dgm:t>
     </dgm:pt>
     <dgm:pt modelId="{83D0CE3A-071F-4860-80DB-CC0CD2FFD587}" type="pres">
       <dgm:prSet presAssocID="{0B075EFA-A97B-479F-99DA-6F1DDE0B1BB5}" presName="level3hierChild" presStyleCnt="0"/>
@@ -1340,24 +1283,10 @@
     <dgm:pt modelId="{32DE1020-7FC0-40F1-8962-B323F9B3039C}" type="pres">
       <dgm:prSet presAssocID="{8E23FFDD-CAA5-4807-9FC3-EA3EBCF22FB6}" presName="conn2-1" presStyleLbl="parChTrans1D3" presStyleIdx="1" presStyleCnt="4"/>
       <dgm:spPr/>
-      <dgm:t>
-        <a:bodyPr/>
-        <a:lstStyle/>
-        <a:p>
-          <a:endParaRPr lang="zh-TW" altLang="en-US"/>
-        </a:p>
-      </dgm:t>
     </dgm:pt>
     <dgm:pt modelId="{36CCA457-927B-4FEE-825A-A1F4FA0869ED}" type="pres">
       <dgm:prSet presAssocID="{8E23FFDD-CAA5-4807-9FC3-EA3EBCF22FB6}" presName="connTx" presStyleLbl="parChTrans1D3" presStyleIdx="1" presStyleCnt="4"/>
       <dgm:spPr/>
-      <dgm:t>
-        <a:bodyPr/>
-        <a:lstStyle/>
-        <a:p>
-          <a:endParaRPr lang="zh-TW" altLang="en-US"/>
-        </a:p>
-      </dgm:t>
     </dgm:pt>
     <dgm:pt modelId="{5CBE8988-B7FF-4286-B657-1F291D9E5438}" type="pres">
       <dgm:prSet presAssocID="{68C0EAF4-6D2D-4190-9E21-55650F27C990}" presName="root2" presStyleCnt="0"/>
@@ -1370,13 +1299,6 @@
         </dgm:presLayoutVars>
       </dgm:prSet>
       <dgm:spPr/>
-      <dgm:t>
-        <a:bodyPr/>
-        <a:lstStyle/>
-        <a:p>
-          <a:endParaRPr lang="zh-TW" altLang="en-US"/>
-        </a:p>
-      </dgm:t>
     </dgm:pt>
     <dgm:pt modelId="{4E621424-55A5-471A-8EC6-62800E0FD467}" type="pres">
       <dgm:prSet presAssocID="{68C0EAF4-6D2D-4190-9E21-55650F27C990}" presName="level3hierChild" presStyleCnt="0"/>
@@ -1385,24 +1307,10 @@
     <dgm:pt modelId="{36CA7E62-0E12-4F43-8FE7-1ED25829006E}" type="pres">
       <dgm:prSet presAssocID="{AA0C0CC6-FB3C-4540-8952-A9AC6AF385A6}" presName="conn2-1" presStyleLbl="parChTrans1D2" presStyleIdx="1" presStyleCnt="3"/>
       <dgm:spPr/>
-      <dgm:t>
-        <a:bodyPr/>
-        <a:lstStyle/>
-        <a:p>
-          <a:endParaRPr lang="zh-TW" altLang="en-US"/>
-        </a:p>
-      </dgm:t>
     </dgm:pt>
     <dgm:pt modelId="{9E369FDF-A427-479F-9ADB-0A369F283741}" type="pres">
       <dgm:prSet presAssocID="{AA0C0CC6-FB3C-4540-8952-A9AC6AF385A6}" presName="connTx" presStyleLbl="parChTrans1D2" presStyleIdx="1" presStyleCnt="3"/>
       <dgm:spPr/>
-      <dgm:t>
-        <a:bodyPr/>
-        <a:lstStyle/>
-        <a:p>
-          <a:endParaRPr lang="zh-TW" altLang="en-US"/>
-        </a:p>
-      </dgm:t>
     </dgm:pt>
     <dgm:pt modelId="{5802153A-210B-4E08-88B6-C037DB200A9E}" type="pres">
       <dgm:prSet presAssocID="{215E00B9-DF20-49B5-AF8D-7199655ED835}" presName="root2" presStyleCnt="0"/>
@@ -1415,13 +1323,6 @@
         </dgm:presLayoutVars>
       </dgm:prSet>
       <dgm:spPr/>
-      <dgm:t>
-        <a:bodyPr/>
-        <a:lstStyle/>
-        <a:p>
-          <a:endParaRPr lang="zh-TW" altLang="en-US"/>
-        </a:p>
-      </dgm:t>
     </dgm:pt>
     <dgm:pt modelId="{58FF4D3A-FA3B-44BE-AA2D-49B3A7C8679D}" type="pres">
       <dgm:prSet presAssocID="{215E00B9-DF20-49B5-AF8D-7199655ED835}" presName="level3hierChild" presStyleCnt="0"/>
@@ -1430,24 +1331,10 @@
     <dgm:pt modelId="{74267004-C4E7-426F-9D96-FB6E5155E4D3}" type="pres">
       <dgm:prSet presAssocID="{9B111BEF-8498-4ACB-A491-F093D456349F}" presName="conn2-1" presStyleLbl="parChTrans1D3" presStyleIdx="2" presStyleCnt="4"/>
       <dgm:spPr/>
-      <dgm:t>
-        <a:bodyPr/>
-        <a:lstStyle/>
-        <a:p>
-          <a:endParaRPr lang="zh-TW" altLang="en-US"/>
-        </a:p>
-      </dgm:t>
     </dgm:pt>
     <dgm:pt modelId="{41317238-2F6B-4769-8886-87DE19D65747}" type="pres">
       <dgm:prSet presAssocID="{9B111BEF-8498-4ACB-A491-F093D456349F}" presName="connTx" presStyleLbl="parChTrans1D3" presStyleIdx="2" presStyleCnt="4"/>
       <dgm:spPr/>
-      <dgm:t>
-        <a:bodyPr/>
-        <a:lstStyle/>
-        <a:p>
-          <a:endParaRPr lang="zh-TW" altLang="en-US"/>
-        </a:p>
-      </dgm:t>
     </dgm:pt>
     <dgm:pt modelId="{0F42DBFC-8F95-495E-8CDD-F322BB0B447D}" type="pres">
       <dgm:prSet presAssocID="{AEA6949F-5CF9-46AC-8DBA-D582CD231667}" presName="root2" presStyleCnt="0"/>
@@ -1460,13 +1347,6 @@
         </dgm:presLayoutVars>
       </dgm:prSet>
       <dgm:spPr/>
-      <dgm:t>
-        <a:bodyPr/>
-        <a:lstStyle/>
-        <a:p>
-          <a:endParaRPr lang="zh-TW" altLang="en-US"/>
-        </a:p>
-      </dgm:t>
     </dgm:pt>
     <dgm:pt modelId="{A1DA328B-B3B2-43E3-AA16-54369EF00B95}" type="pres">
       <dgm:prSet presAssocID="{AEA6949F-5CF9-46AC-8DBA-D582CD231667}" presName="level3hierChild" presStyleCnt="0"/>
@@ -1475,24 +1355,10 @@
     <dgm:pt modelId="{262255F8-DA32-4365-A074-09D38E864D97}" type="pres">
       <dgm:prSet presAssocID="{3213E7BA-B705-4634-B53E-CD0372FE71DA}" presName="conn2-1" presStyleLbl="parChTrans1D3" presStyleIdx="3" presStyleCnt="4"/>
       <dgm:spPr/>
-      <dgm:t>
-        <a:bodyPr/>
-        <a:lstStyle/>
-        <a:p>
-          <a:endParaRPr lang="zh-TW" altLang="en-US"/>
-        </a:p>
-      </dgm:t>
     </dgm:pt>
     <dgm:pt modelId="{0D8DBAF6-AFD5-4AFE-8486-8D4CBB6A7A4E}" type="pres">
       <dgm:prSet presAssocID="{3213E7BA-B705-4634-B53E-CD0372FE71DA}" presName="connTx" presStyleLbl="parChTrans1D3" presStyleIdx="3" presStyleCnt="4"/>
       <dgm:spPr/>
-      <dgm:t>
-        <a:bodyPr/>
-        <a:lstStyle/>
-        <a:p>
-          <a:endParaRPr lang="zh-TW" altLang="en-US"/>
-        </a:p>
-      </dgm:t>
     </dgm:pt>
     <dgm:pt modelId="{3248AFD7-2C50-44D8-BD4A-27D2018E6850}" type="pres">
       <dgm:prSet presAssocID="{546CA771-2D50-4EE5-9F35-C7E9403BBE83}" presName="root2" presStyleCnt="0"/>
@@ -1505,13 +1371,6 @@
         </dgm:presLayoutVars>
       </dgm:prSet>
       <dgm:spPr/>
-      <dgm:t>
-        <a:bodyPr/>
-        <a:lstStyle/>
-        <a:p>
-          <a:endParaRPr lang="zh-TW" altLang="en-US"/>
-        </a:p>
-      </dgm:t>
     </dgm:pt>
     <dgm:pt modelId="{BE2F052C-7CA3-481B-ACE1-D4A0CD830CAF}" type="pres">
       <dgm:prSet presAssocID="{546CA771-2D50-4EE5-9F35-C7E9403BBE83}" presName="level3hierChild" presStyleCnt="0"/>
@@ -1520,24 +1379,10 @@
     <dgm:pt modelId="{41AD1F8E-8EB1-454B-B119-A76D4C94ED4C}" type="pres">
       <dgm:prSet presAssocID="{07AB3CA1-E87A-47DD-A5BE-1232826DC4E4}" presName="conn2-1" presStyleLbl="parChTrans1D2" presStyleIdx="2" presStyleCnt="3"/>
       <dgm:spPr/>
-      <dgm:t>
-        <a:bodyPr/>
-        <a:lstStyle/>
-        <a:p>
-          <a:endParaRPr lang="zh-TW" altLang="en-US"/>
-        </a:p>
-      </dgm:t>
     </dgm:pt>
     <dgm:pt modelId="{9FA4A323-4FF2-4C0E-92DB-50AF70B386B6}" type="pres">
       <dgm:prSet presAssocID="{07AB3CA1-E87A-47DD-A5BE-1232826DC4E4}" presName="connTx" presStyleLbl="parChTrans1D2" presStyleIdx="2" presStyleCnt="3"/>
       <dgm:spPr/>
-      <dgm:t>
-        <a:bodyPr/>
-        <a:lstStyle/>
-        <a:p>
-          <a:endParaRPr lang="zh-TW" altLang="en-US"/>
-        </a:p>
-      </dgm:t>
     </dgm:pt>
     <dgm:pt modelId="{B90E819B-318B-4794-BF83-DAD89912920A}" type="pres">
       <dgm:prSet presAssocID="{EFE450D1-ED12-44FB-B04C-6A20D51E0449}" presName="root2" presStyleCnt="0"/>
@@ -1550,13 +1395,6 @@
         </dgm:presLayoutVars>
       </dgm:prSet>
       <dgm:spPr/>
-      <dgm:t>
-        <a:bodyPr/>
-        <a:lstStyle/>
-        <a:p>
-          <a:endParaRPr lang="zh-TW" altLang="en-US"/>
-        </a:p>
-      </dgm:t>
     </dgm:pt>
     <dgm:pt modelId="{D193777F-2CC8-4D7E-9889-BEC625DB9CF4}" type="pres">
       <dgm:prSet presAssocID="{EFE450D1-ED12-44FB-B04C-6A20D51E0449}" presName="level3hierChild" presStyleCnt="0"/>
@@ -1564,37 +1402,37 @@
     </dgm:pt>
   </dgm:ptLst>
   <dgm:cxnLst>
+    <dgm:cxn modelId="{41D5B008-F591-4315-992B-2E4AFD34D96D}" srcId="{B4E4D534-B367-4FD9-B618-978D501BFA9C}" destId="{215E00B9-DF20-49B5-AF8D-7199655ED835}" srcOrd="1" destOrd="0" parTransId="{AA0C0CC6-FB3C-4540-8952-A9AC6AF385A6}" sibTransId="{6D632700-0B1F-44AE-B2EC-A22213ECA7C2}"/>
+    <dgm:cxn modelId="{909B970A-CAFE-4013-BFB4-D680C6B8362E}" type="presOf" srcId="{8E23FFDD-CAA5-4807-9FC3-EA3EBCF22FB6}" destId="{36CCA457-927B-4FEE-825A-A1F4FA0869ED}" srcOrd="1" destOrd="0" presId="urn:microsoft.com/office/officeart/2005/8/layout/hierarchy2"/>
+    <dgm:cxn modelId="{23EB0B0F-F8D8-4458-9811-1EE2A61BB345}" type="presOf" srcId="{82C2E175-68CE-4E80-893A-B921070AF15E}" destId="{7E8CEDC8-B3A8-4692-9214-37E63FCF83E5}" srcOrd="1" destOrd="0" presId="urn:microsoft.com/office/officeart/2005/8/layout/hierarchy2"/>
+    <dgm:cxn modelId="{7364C217-10F0-4077-8C18-28CA259515EC}" type="presOf" srcId="{546CA771-2D50-4EE5-9F35-C7E9403BBE83}" destId="{168E0656-1F4C-4ED1-A07E-D06E87514F33}" srcOrd="0" destOrd="0" presId="urn:microsoft.com/office/officeart/2005/8/layout/hierarchy2"/>
+    <dgm:cxn modelId="{23D11B1A-04D7-48EF-A110-60328DAE15A9}" srcId="{C268E202-54A7-4898-A25A-30E73A90A4D2}" destId="{68C0EAF4-6D2D-4190-9E21-55650F27C990}" srcOrd="1" destOrd="0" parTransId="{8E23FFDD-CAA5-4807-9FC3-EA3EBCF22FB6}" sibTransId="{E190AF91-F28E-4526-9724-7248C23B07EE}"/>
+    <dgm:cxn modelId="{83EC711A-F571-4402-9EDC-CD9044D2DBE0}" type="presOf" srcId="{AEA6949F-5CF9-46AC-8DBA-D582CD231667}" destId="{98958110-BB72-4680-AD9E-5EB3BA063D02}" srcOrd="0" destOrd="0" presId="urn:microsoft.com/office/officeart/2005/8/layout/hierarchy2"/>
+    <dgm:cxn modelId="{77B3A739-9A8C-4009-8103-1D196E6ABA74}" srcId="{215E00B9-DF20-49B5-AF8D-7199655ED835}" destId="{546CA771-2D50-4EE5-9F35-C7E9403BBE83}" srcOrd="1" destOrd="0" parTransId="{3213E7BA-B705-4634-B53E-CD0372FE71DA}" sibTransId="{78242CCB-B4D6-4149-ABC2-5040D889D9C9}"/>
+    <dgm:cxn modelId="{B0091E3C-124C-4F72-B5B5-6109C0E7CEB8}" srcId="{B4E4D534-B367-4FD9-B618-978D501BFA9C}" destId="{EFE450D1-ED12-44FB-B04C-6A20D51E0449}" srcOrd="2" destOrd="0" parTransId="{07AB3CA1-E87A-47DD-A5BE-1232826DC4E4}" sibTransId="{8EC510B6-4368-4BF7-B391-09A662220B88}"/>
     <dgm:cxn modelId="{093B8C48-2978-4FD1-9689-88C7E119F877}" type="presOf" srcId="{B4E4D534-B367-4FD9-B618-978D501BFA9C}" destId="{67125670-0496-4474-A7AA-E4F38058DC4B}" srcOrd="0" destOrd="0" presId="urn:microsoft.com/office/officeart/2005/8/layout/hierarchy2"/>
-    <dgm:cxn modelId="{77B3A739-9A8C-4009-8103-1D196E6ABA74}" srcId="{215E00B9-DF20-49B5-AF8D-7199655ED835}" destId="{546CA771-2D50-4EE5-9F35-C7E9403BBE83}" srcOrd="1" destOrd="0" parTransId="{3213E7BA-B705-4634-B53E-CD0372FE71DA}" sibTransId="{78242CCB-B4D6-4149-ABC2-5040D889D9C9}"/>
-    <dgm:cxn modelId="{23EB0B0F-F8D8-4458-9811-1EE2A61BB345}" type="presOf" srcId="{82C2E175-68CE-4E80-893A-B921070AF15E}" destId="{7E8CEDC8-B3A8-4692-9214-37E63FCF83E5}" srcOrd="1" destOrd="0" presId="urn:microsoft.com/office/officeart/2005/8/layout/hierarchy2"/>
-    <dgm:cxn modelId="{B0091E3C-124C-4F72-B5B5-6109C0E7CEB8}" srcId="{B4E4D534-B367-4FD9-B618-978D501BFA9C}" destId="{EFE450D1-ED12-44FB-B04C-6A20D51E0449}" srcOrd="2" destOrd="0" parTransId="{07AB3CA1-E87A-47DD-A5BE-1232826DC4E4}" sibTransId="{8EC510B6-4368-4BF7-B391-09A662220B88}"/>
-    <dgm:cxn modelId="{83EC711A-F571-4402-9EDC-CD9044D2DBE0}" type="presOf" srcId="{AEA6949F-5CF9-46AC-8DBA-D582CD231667}" destId="{98958110-BB72-4680-AD9E-5EB3BA063D02}" srcOrd="0" destOrd="0" presId="urn:microsoft.com/office/officeart/2005/8/layout/hierarchy2"/>
+    <dgm:cxn modelId="{04B9A86C-226C-4AE2-B388-C09C4A38A65A}" type="presOf" srcId="{AA0C0CC6-FB3C-4540-8952-A9AC6AF385A6}" destId="{36CA7E62-0E12-4F43-8FE7-1ED25829006E}" srcOrd="0" destOrd="0" presId="urn:microsoft.com/office/officeart/2005/8/layout/hierarchy2"/>
+    <dgm:cxn modelId="{173C6C51-6B8D-4700-8C31-1853C0C36A47}" type="presOf" srcId="{CBF48B8E-8354-47AD-9FBE-5B3729BB3F28}" destId="{79F5EB3D-F212-40D8-A85B-68921DE6E07D}" srcOrd="1" destOrd="0" presId="urn:microsoft.com/office/officeart/2005/8/layout/hierarchy2"/>
+    <dgm:cxn modelId="{767C3A72-0E22-4AE5-A0CF-CEB704F0D874}" srcId="{C268E202-54A7-4898-A25A-30E73A90A4D2}" destId="{0B075EFA-A97B-479F-99DA-6F1DDE0B1BB5}" srcOrd="0" destOrd="0" parTransId="{82C2E175-68CE-4E80-893A-B921070AF15E}" sibTransId="{A10F8884-04EC-4917-AD9B-6A05A12DEBE9}"/>
+    <dgm:cxn modelId="{68ECAD77-0AEF-4DD1-A910-2500EFD84B44}" srcId="{215E00B9-DF20-49B5-AF8D-7199655ED835}" destId="{AEA6949F-5CF9-46AC-8DBA-D582CD231667}" srcOrd="0" destOrd="0" parTransId="{9B111BEF-8498-4ACB-A491-F093D456349F}" sibTransId="{CA03A102-3732-4B78-B349-E368607933D2}"/>
+    <dgm:cxn modelId="{D88FCC78-6B45-4461-9A3D-F9AFFF6A3A00}" type="presOf" srcId="{68C0EAF4-6D2D-4190-9E21-55650F27C990}" destId="{99F3BD87-3E85-4BA0-AD21-108E28AB2041}" srcOrd="0" destOrd="0" presId="urn:microsoft.com/office/officeart/2005/8/layout/hierarchy2"/>
+    <dgm:cxn modelId="{E8C7D479-AEAF-4B29-9ADF-09D655F183E5}" type="presOf" srcId="{9B111BEF-8498-4ACB-A491-F093D456349F}" destId="{74267004-C4E7-426F-9D96-FB6E5155E4D3}" srcOrd="0" destOrd="0" presId="urn:microsoft.com/office/officeart/2005/8/layout/hierarchy2"/>
+    <dgm:cxn modelId="{D31CAA7F-01CC-48DA-B721-125FB3346438}" type="presOf" srcId="{82C2E175-68CE-4E80-893A-B921070AF15E}" destId="{C62ACD9F-5B11-4585-806B-BE53FF297B08}" srcOrd="0" destOrd="0" presId="urn:microsoft.com/office/officeart/2005/8/layout/hierarchy2"/>
+    <dgm:cxn modelId="{74D9F888-5C4C-48E3-9DD3-20DD09C817D5}" type="presOf" srcId="{8E23FFDD-CAA5-4807-9FC3-EA3EBCF22FB6}" destId="{32DE1020-7FC0-40F1-8962-B323F9B3039C}" srcOrd="0" destOrd="0" presId="urn:microsoft.com/office/officeart/2005/8/layout/hierarchy2"/>
+    <dgm:cxn modelId="{630FF590-40BD-46C1-85DD-3DADB83C4D31}" srcId="{E35DEF59-DA39-4906-B9C7-83C423CDEB88}" destId="{B4E4D534-B367-4FD9-B618-978D501BFA9C}" srcOrd="0" destOrd="0" parTransId="{057244CC-8670-4306-BFC6-B93D818B02DA}" sibTransId="{DEC49BF1-3F8B-4B40-A837-D2040625013A}"/>
+    <dgm:cxn modelId="{A228DF92-76F7-4566-A263-94E72E4FB1DE}" type="presOf" srcId="{AA0C0CC6-FB3C-4540-8952-A9AC6AF385A6}" destId="{9E369FDF-A427-479F-9ADB-0A369F283741}" srcOrd="1" destOrd="0" presId="urn:microsoft.com/office/officeart/2005/8/layout/hierarchy2"/>
+    <dgm:cxn modelId="{FE984C9B-D7C6-4C6F-A6A5-7772A8C5FDFA}" type="presOf" srcId="{9B111BEF-8498-4ACB-A491-F093D456349F}" destId="{41317238-2F6B-4769-8886-87DE19D65747}" srcOrd="1" destOrd="0" presId="urn:microsoft.com/office/officeart/2005/8/layout/hierarchy2"/>
+    <dgm:cxn modelId="{78DEC39B-E50B-4C8A-9DCF-A0B8803C659D}" type="presOf" srcId="{07AB3CA1-E87A-47DD-A5BE-1232826DC4E4}" destId="{41AD1F8E-8EB1-454B-B119-A76D4C94ED4C}" srcOrd="0" destOrd="0" presId="urn:microsoft.com/office/officeart/2005/8/layout/hierarchy2"/>
     <dgm:cxn modelId="{15CFE99F-1881-4D21-A98A-152C812FCCA8}" type="presOf" srcId="{215E00B9-DF20-49B5-AF8D-7199655ED835}" destId="{C9F1E208-5EB7-44A6-B3C0-8AEE816DAB9F}" srcOrd="0" destOrd="0" presId="urn:microsoft.com/office/officeart/2005/8/layout/hierarchy2"/>
-    <dgm:cxn modelId="{78DEC39B-E50B-4C8A-9DCF-A0B8803C659D}" type="presOf" srcId="{07AB3CA1-E87A-47DD-A5BE-1232826DC4E4}" destId="{41AD1F8E-8EB1-454B-B119-A76D4C94ED4C}" srcOrd="0" destOrd="0" presId="urn:microsoft.com/office/officeart/2005/8/layout/hierarchy2"/>
     <dgm:cxn modelId="{372D4DA3-115C-4398-9A0D-19D1B0B7DB6D}" srcId="{B4E4D534-B367-4FD9-B618-978D501BFA9C}" destId="{C268E202-54A7-4898-A25A-30E73A90A4D2}" srcOrd="0" destOrd="0" parTransId="{CBF48B8E-8354-47AD-9FBE-5B3729BB3F28}" sibTransId="{8D388D9A-C1CB-439A-98FC-A6A6B9B9D529}"/>
-    <dgm:cxn modelId="{7364C217-10F0-4077-8C18-28CA259515EC}" type="presOf" srcId="{546CA771-2D50-4EE5-9F35-C7E9403BBE83}" destId="{168E0656-1F4C-4ED1-A07E-D06E87514F33}" srcOrd="0" destOrd="0" presId="urn:microsoft.com/office/officeart/2005/8/layout/hierarchy2"/>
+    <dgm:cxn modelId="{5F9868DC-7C2A-4702-A51D-405DDE7178DB}" type="presOf" srcId="{07AB3CA1-E87A-47DD-A5BE-1232826DC4E4}" destId="{9FA4A323-4FF2-4C0E-92DB-50AF70B386B6}" srcOrd="1" destOrd="0" presId="urn:microsoft.com/office/officeart/2005/8/layout/hierarchy2"/>
+    <dgm:cxn modelId="{80D308E2-900F-46DE-A176-26882E54D64B}" type="presOf" srcId="{3213E7BA-B705-4634-B53E-CD0372FE71DA}" destId="{262255F8-DA32-4365-A074-09D38E864D97}" srcOrd="0" destOrd="0" presId="urn:microsoft.com/office/officeart/2005/8/layout/hierarchy2"/>
+    <dgm:cxn modelId="{79F770E7-0222-4D87-B47A-7AABF786905E}" type="presOf" srcId="{CBF48B8E-8354-47AD-9FBE-5B3729BB3F28}" destId="{CD97A8DA-DFA1-4676-AFA6-874846383FF8}" srcOrd="0" destOrd="0" presId="urn:microsoft.com/office/officeart/2005/8/layout/hierarchy2"/>
+    <dgm:cxn modelId="{A37D93EC-1C6D-4E4F-AE28-8412605D6790}" type="presOf" srcId="{0B075EFA-A97B-479F-99DA-6F1DDE0B1BB5}" destId="{BEA5A420-644A-4308-B4FB-0838A4688B76}" srcOrd="0" destOrd="0" presId="urn:microsoft.com/office/officeart/2005/8/layout/hierarchy2"/>
+    <dgm:cxn modelId="{A38A38EF-DECA-457C-B0E4-9259CB9454E4}" type="presOf" srcId="{C268E202-54A7-4898-A25A-30E73A90A4D2}" destId="{AA870287-6359-400C-B569-785403A10E08}" srcOrd="0" destOrd="0" presId="urn:microsoft.com/office/officeart/2005/8/layout/hierarchy2"/>
+    <dgm:cxn modelId="{22CA7EF0-F0CF-49DE-90B1-37D3A7EE1602}" type="presOf" srcId="{3213E7BA-B705-4634-B53E-CD0372FE71DA}" destId="{0D8DBAF6-AFD5-4AFE-8486-8D4CBB6A7A4E}" srcOrd="1" destOrd="0" presId="urn:microsoft.com/office/officeart/2005/8/layout/hierarchy2"/>
     <dgm:cxn modelId="{A0600EFA-02CB-46B2-BFA2-8D77889A0F9B}" type="presOf" srcId="{EFE450D1-ED12-44FB-B04C-6A20D51E0449}" destId="{5C12227D-0C27-4655-9BA3-8A5E28ED9A68}" srcOrd="0" destOrd="0" presId="urn:microsoft.com/office/officeart/2005/8/layout/hierarchy2"/>
-    <dgm:cxn modelId="{D31CAA7F-01CC-48DA-B721-125FB3346438}" type="presOf" srcId="{82C2E175-68CE-4E80-893A-B921070AF15E}" destId="{C62ACD9F-5B11-4585-806B-BE53FF297B08}" srcOrd="0" destOrd="0" presId="urn:microsoft.com/office/officeart/2005/8/layout/hierarchy2"/>
-    <dgm:cxn modelId="{A38A38EF-DECA-457C-B0E4-9259CB9454E4}" type="presOf" srcId="{C268E202-54A7-4898-A25A-30E73A90A4D2}" destId="{AA870287-6359-400C-B569-785403A10E08}" srcOrd="0" destOrd="0" presId="urn:microsoft.com/office/officeart/2005/8/layout/hierarchy2"/>
-    <dgm:cxn modelId="{41D5B008-F591-4315-992B-2E4AFD34D96D}" srcId="{B4E4D534-B367-4FD9-B618-978D501BFA9C}" destId="{215E00B9-DF20-49B5-AF8D-7199655ED835}" srcOrd="1" destOrd="0" parTransId="{AA0C0CC6-FB3C-4540-8952-A9AC6AF385A6}" sibTransId="{6D632700-0B1F-44AE-B2EC-A22213ECA7C2}"/>
-    <dgm:cxn modelId="{80D308E2-900F-46DE-A176-26882E54D64B}" type="presOf" srcId="{3213E7BA-B705-4634-B53E-CD0372FE71DA}" destId="{262255F8-DA32-4365-A074-09D38E864D97}" srcOrd="0" destOrd="0" presId="urn:microsoft.com/office/officeart/2005/8/layout/hierarchy2"/>
-    <dgm:cxn modelId="{E8C7D479-AEAF-4B29-9ADF-09D655F183E5}" type="presOf" srcId="{9B111BEF-8498-4ACB-A491-F093D456349F}" destId="{74267004-C4E7-426F-9D96-FB6E5155E4D3}" srcOrd="0" destOrd="0" presId="urn:microsoft.com/office/officeart/2005/8/layout/hierarchy2"/>
-    <dgm:cxn modelId="{68ECAD77-0AEF-4DD1-A910-2500EFD84B44}" srcId="{215E00B9-DF20-49B5-AF8D-7199655ED835}" destId="{AEA6949F-5CF9-46AC-8DBA-D582CD231667}" srcOrd="0" destOrd="0" parTransId="{9B111BEF-8498-4ACB-A491-F093D456349F}" sibTransId="{CA03A102-3732-4B78-B349-E368607933D2}"/>
-    <dgm:cxn modelId="{04B9A86C-226C-4AE2-B388-C09C4A38A65A}" type="presOf" srcId="{AA0C0CC6-FB3C-4540-8952-A9AC6AF385A6}" destId="{36CA7E62-0E12-4F43-8FE7-1ED25829006E}" srcOrd="0" destOrd="0" presId="urn:microsoft.com/office/officeart/2005/8/layout/hierarchy2"/>
-    <dgm:cxn modelId="{D88FCC78-6B45-4461-9A3D-F9AFFF6A3A00}" type="presOf" srcId="{68C0EAF4-6D2D-4190-9E21-55650F27C990}" destId="{99F3BD87-3E85-4BA0-AD21-108E28AB2041}" srcOrd="0" destOrd="0" presId="urn:microsoft.com/office/officeart/2005/8/layout/hierarchy2"/>
-    <dgm:cxn modelId="{630FF590-40BD-46C1-85DD-3DADB83C4D31}" srcId="{E35DEF59-DA39-4906-B9C7-83C423CDEB88}" destId="{B4E4D534-B367-4FD9-B618-978D501BFA9C}" srcOrd="0" destOrd="0" parTransId="{057244CC-8670-4306-BFC6-B93D818B02DA}" sibTransId="{DEC49BF1-3F8B-4B40-A837-D2040625013A}"/>
     <dgm:cxn modelId="{29D3C1FF-BC45-4076-8DF2-85E56AF24527}" type="presOf" srcId="{E35DEF59-DA39-4906-B9C7-83C423CDEB88}" destId="{CDFCDA54-4A0C-4FA3-BCE4-72F2E8A6279A}" srcOrd="0" destOrd="0" presId="urn:microsoft.com/office/officeart/2005/8/layout/hierarchy2"/>
-    <dgm:cxn modelId="{FE984C9B-D7C6-4C6F-A6A5-7772A8C5FDFA}" type="presOf" srcId="{9B111BEF-8498-4ACB-A491-F093D456349F}" destId="{41317238-2F6B-4769-8886-87DE19D65747}" srcOrd="1" destOrd="0" presId="urn:microsoft.com/office/officeart/2005/8/layout/hierarchy2"/>
-    <dgm:cxn modelId="{767C3A72-0E22-4AE5-A0CF-CEB704F0D874}" srcId="{C268E202-54A7-4898-A25A-30E73A90A4D2}" destId="{0B075EFA-A97B-479F-99DA-6F1DDE0B1BB5}" srcOrd="0" destOrd="0" parTransId="{82C2E175-68CE-4E80-893A-B921070AF15E}" sibTransId="{A10F8884-04EC-4917-AD9B-6A05A12DEBE9}"/>
-    <dgm:cxn modelId="{A37D93EC-1C6D-4E4F-AE28-8412605D6790}" type="presOf" srcId="{0B075EFA-A97B-479F-99DA-6F1DDE0B1BB5}" destId="{BEA5A420-644A-4308-B4FB-0838A4688B76}" srcOrd="0" destOrd="0" presId="urn:microsoft.com/office/officeart/2005/8/layout/hierarchy2"/>
-    <dgm:cxn modelId="{173C6C51-6B8D-4700-8C31-1853C0C36A47}" type="presOf" srcId="{CBF48B8E-8354-47AD-9FBE-5B3729BB3F28}" destId="{79F5EB3D-F212-40D8-A85B-68921DE6E07D}" srcOrd="1" destOrd="0" presId="urn:microsoft.com/office/officeart/2005/8/layout/hierarchy2"/>
-    <dgm:cxn modelId="{74D9F888-5C4C-48E3-9DD3-20DD09C817D5}" type="presOf" srcId="{8E23FFDD-CAA5-4807-9FC3-EA3EBCF22FB6}" destId="{32DE1020-7FC0-40F1-8962-B323F9B3039C}" srcOrd="0" destOrd="0" presId="urn:microsoft.com/office/officeart/2005/8/layout/hierarchy2"/>
-    <dgm:cxn modelId="{23D11B1A-04D7-48EF-A110-60328DAE15A9}" srcId="{C268E202-54A7-4898-A25A-30E73A90A4D2}" destId="{68C0EAF4-6D2D-4190-9E21-55650F27C990}" srcOrd="1" destOrd="0" parTransId="{8E23FFDD-CAA5-4807-9FC3-EA3EBCF22FB6}" sibTransId="{E190AF91-F28E-4526-9724-7248C23B07EE}"/>
-    <dgm:cxn modelId="{5F9868DC-7C2A-4702-A51D-405DDE7178DB}" type="presOf" srcId="{07AB3CA1-E87A-47DD-A5BE-1232826DC4E4}" destId="{9FA4A323-4FF2-4C0E-92DB-50AF70B386B6}" srcOrd="1" destOrd="0" presId="urn:microsoft.com/office/officeart/2005/8/layout/hierarchy2"/>
-    <dgm:cxn modelId="{22CA7EF0-F0CF-49DE-90B1-37D3A7EE1602}" type="presOf" srcId="{3213E7BA-B705-4634-B53E-CD0372FE71DA}" destId="{0D8DBAF6-AFD5-4AFE-8486-8D4CBB6A7A4E}" srcOrd="1" destOrd="0" presId="urn:microsoft.com/office/officeart/2005/8/layout/hierarchy2"/>
-    <dgm:cxn modelId="{909B970A-CAFE-4013-BFB4-D680C6B8362E}" type="presOf" srcId="{8E23FFDD-CAA5-4807-9FC3-EA3EBCF22FB6}" destId="{36CCA457-927B-4FEE-825A-A1F4FA0869ED}" srcOrd="1" destOrd="0" presId="urn:microsoft.com/office/officeart/2005/8/layout/hierarchy2"/>
-    <dgm:cxn modelId="{79F770E7-0222-4D87-B47A-7AABF786905E}" type="presOf" srcId="{CBF48B8E-8354-47AD-9FBE-5B3729BB3F28}" destId="{CD97A8DA-DFA1-4676-AFA6-874846383FF8}" srcOrd="0" destOrd="0" presId="urn:microsoft.com/office/officeart/2005/8/layout/hierarchy2"/>
-    <dgm:cxn modelId="{A228DF92-76F7-4566-A263-94E72E4FB1DE}" type="presOf" srcId="{AA0C0CC6-FB3C-4540-8952-A9AC6AF385A6}" destId="{9E369FDF-A427-479F-9ADB-0A369F283741}" srcOrd="1" destOrd="0" presId="urn:microsoft.com/office/officeart/2005/8/layout/hierarchy2"/>
     <dgm:cxn modelId="{7E334F13-B5C4-4FAC-A99A-5D34D11FF0D9}" type="presParOf" srcId="{CDFCDA54-4A0C-4FA3-BCE4-72F2E8A6279A}" destId="{CA9FC56A-762E-4F2C-A74C-86EDE8F5EE2C}" srcOrd="0" destOrd="0" presId="urn:microsoft.com/office/officeart/2005/8/layout/hierarchy2"/>
     <dgm:cxn modelId="{3304E4E7-B961-419D-AD05-DAECFDA1428E}" type="presParOf" srcId="{CA9FC56A-762E-4F2C-A74C-86EDE8F5EE2C}" destId="{67125670-0496-4474-A7AA-E4F38058DC4B}" srcOrd="0" destOrd="0" presId="urn:microsoft.com/office/officeart/2005/8/layout/hierarchy2"/>
     <dgm:cxn modelId="{B4C7582A-3403-4409-B9EA-4771DB9224D6}" type="presParOf" srcId="{CA9FC56A-762E-4F2C-A74C-86EDE8F5EE2C}" destId="{DC711879-CC8D-484E-9A01-51AABF7B5FEA}" srcOrd="1" destOrd="0" presId="urn:microsoft.com/office/officeart/2005/8/layout/hierarchy2"/>
@@ -1705,7 +1543,7 @@
         </a:bodyPr>
         <a:lstStyle/>
         <a:p>
-          <a:pPr lvl="0" algn="ctr" defTabSz="666750">
+          <a:pPr marL="0" lvl="0" indent="0" algn="ctr" defTabSz="666750">
             <a:lnSpc>
               <a:spcPct val="90000"/>
             </a:lnSpc>
@@ -1715,9 +1553,10 @@
             <a:spcAft>
               <a:spcPct val="35000"/>
             </a:spcAft>
+            <a:buNone/>
           </a:pPr>
           <a:r>
-            <a:rPr lang="en-US" altLang="zh-TW" sz="1500" kern="1200" dirty="0" smtClean="0"/>
+            <a:rPr lang="en-US" altLang="zh-TW" sz="1500" kern="1200" dirty="0"/>
             <a:t>Data</a:t>
           </a:r>
           <a:endParaRPr lang="zh-TW" altLang="en-US" sz="1500" kern="1200" dirty="0"/>
@@ -1788,7 +1627,7 @@
         </a:bodyPr>
         <a:lstStyle/>
         <a:p>
-          <a:pPr lvl="0" algn="ctr" defTabSz="222250">
+          <a:pPr marL="0" lvl="0" indent="0" algn="ctr" defTabSz="222250">
             <a:lnSpc>
               <a:spcPct val="90000"/>
             </a:lnSpc>
@@ -1798,6 +1637,7 @@
             <a:spcAft>
               <a:spcPct val="35000"/>
             </a:spcAft>
+            <a:buNone/>
           </a:pPr>
           <a:endParaRPr lang="zh-TW" altLang="en-US" sz="500" kern="1200"/>
         </a:p>
@@ -1860,7 +1700,7 @@
         </a:bodyPr>
         <a:lstStyle/>
         <a:p>
-          <a:pPr lvl="0" algn="ctr" defTabSz="666750">
+          <a:pPr marL="0" lvl="0" indent="0" algn="ctr" defTabSz="666750">
             <a:lnSpc>
               <a:spcPct val="90000"/>
             </a:lnSpc>
@@ -1870,9 +1710,10 @@
             <a:spcAft>
               <a:spcPct val="35000"/>
             </a:spcAft>
+            <a:buNone/>
           </a:pPr>
           <a:r>
-            <a:rPr lang="en-US" altLang="zh-TW" sz="1500" kern="1200" dirty="0" smtClean="0"/>
+            <a:rPr lang="en-US" altLang="zh-TW" sz="1500" kern="1200" dirty="0"/>
             <a:t>annotations</a:t>
           </a:r>
           <a:endParaRPr lang="zh-TW" altLang="en-US" sz="1500" kern="1200" dirty="0"/>
@@ -1943,7 +1784,7 @@
         </a:bodyPr>
         <a:lstStyle/>
         <a:p>
-          <a:pPr lvl="0" algn="ctr" defTabSz="222250">
+          <a:pPr marL="0" lvl="0" indent="0" algn="ctr" defTabSz="222250">
             <a:lnSpc>
               <a:spcPct val="90000"/>
             </a:lnSpc>
@@ -1953,6 +1794,7 @@
             <a:spcAft>
               <a:spcPct val="35000"/>
             </a:spcAft>
+            <a:buNone/>
           </a:pPr>
           <a:endParaRPr lang="zh-TW" altLang="en-US" sz="500" kern="1200"/>
         </a:p>
@@ -2018,7 +1860,7 @@
         </a:bodyPr>
         <a:lstStyle/>
         <a:p>
-          <a:pPr lvl="0" algn="ctr" defTabSz="666750">
+          <a:pPr marL="0" lvl="0" indent="0" algn="ctr" defTabSz="666750">
             <a:lnSpc>
               <a:spcPct val="90000"/>
             </a:lnSpc>
@@ -2028,9 +1870,10 @@
             <a:spcAft>
               <a:spcPct val="35000"/>
             </a:spcAft>
+            <a:buNone/>
           </a:pPr>
           <a:r>
-            <a:rPr lang="en-US" sz="1500" b="0" i="0" kern="1200" dirty="0" smtClean="0"/>
+            <a:rPr lang="en-US" sz="1500" b="0" i="0" kern="1200" dirty="0"/>
             <a:t>Dial-quality</a:t>
           </a:r>
           <a:endParaRPr lang="zh-TW" altLang="en-US" sz="1500" b="0" kern="1200" dirty="0"/>
@@ -2101,7 +1944,7 @@
         </a:bodyPr>
         <a:lstStyle/>
         <a:p>
-          <a:pPr lvl="0" algn="ctr" defTabSz="222250">
+          <a:pPr marL="0" lvl="0" indent="0" algn="ctr" defTabSz="222250">
             <a:lnSpc>
               <a:spcPct val="90000"/>
             </a:lnSpc>
@@ -2111,6 +1954,7 @@
             <a:spcAft>
               <a:spcPct val="35000"/>
             </a:spcAft>
+            <a:buNone/>
           </a:pPr>
           <a:endParaRPr lang="zh-TW" altLang="en-US" sz="500" kern="1200"/>
         </a:p>
@@ -2176,7 +2020,7 @@
         </a:bodyPr>
         <a:lstStyle/>
         <a:p>
-          <a:pPr lvl="0" algn="ctr" defTabSz="666750">
+          <a:pPr marL="0" lvl="0" indent="0" algn="ctr" defTabSz="666750">
             <a:lnSpc>
               <a:spcPct val="90000"/>
             </a:lnSpc>
@@ -2186,9 +2030,10 @@
             <a:spcAft>
               <a:spcPct val="35000"/>
             </a:spcAft>
+            <a:buNone/>
           </a:pPr>
           <a:r>
-            <a:rPr lang="en-US" sz="1500" b="1" i="0" u="sng" kern="1200" dirty="0" smtClean="0"/>
+            <a:rPr lang="en-US" sz="1500" b="1" i="0" u="sng" kern="1200" dirty="0"/>
             <a:t>nugget</a:t>
           </a:r>
           <a:endParaRPr lang="zh-TW" altLang="en-US" sz="1500" b="1" u="sng" kern="1200" dirty="0"/>
@@ -2259,7 +2104,7 @@
         </a:bodyPr>
         <a:lstStyle/>
         <a:p>
-          <a:pPr lvl="0" algn="ctr" defTabSz="222250">
+          <a:pPr marL="0" lvl="0" indent="0" algn="ctr" defTabSz="222250">
             <a:lnSpc>
               <a:spcPct val="90000"/>
             </a:lnSpc>
@@ -2269,6 +2114,7 @@
             <a:spcAft>
               <a:spcPct val="35000"/>
             </a:spcAft>
+            <a:buNone/>
           </a:pPr>
           <a:endParaRPr lang="zh-TW" altLang="en-US" sz="500" kern="1200"/>
         </a:p>
@@ -2331,7 +2177,7 @@
         </a:bodyPr>
         <a:lstStyle/>
         <a:p>
-          <a:pPr lvl="0" algn="ctr" defTabSz="666750">
+          <a:pPr marL="0" lvl="0" indent="0" algn="ctr" defTabSz="666750">
             <a:lnSpc>
               <a:spcPct val="90000"/>
             </a:lnSpc>
@@ -2341,9 +2187,10 @@
             <a:spcAft>
               <a:spcPct val="35000"/>
             </a:spcAft>
+            <a:buNone/>
           </a:pPr>
           <a:r>
-            <a:rPr lang="en-US" altLang="zh-TW" sz="1500" kern="1200" dirty="0" smtClean="0"/>
+            <a:rPr lang="en-US" altLang="zh-TW" sz="1500" kern="1200" dirty="0"/>
             <a:t>turns</a:t>
           </a:r>
           <a:endParaRPr lang="zh-TW" altLang="en-US" sz="1500" kern="1200" dirty="0"/>
@@ -2414,7 +2261,7 @@
         </a:bodyPr>
         <a:lstStyle/>
         <a:p>
-          <a:pPr lvl="0" algn="ctr" defTabSz="222250">
+          <a:pPr marL="0" lvl="0" indent="0" algn="ctr" defTabSz="222250">
             <a:lnSpc>
               <a:spcPct val="90000"/>
             </a:lnSpc>
@@ -2424,6 +2271,7 @@
             <a:spcAft>
               <a:spcPct val="35000"/>
             </a:spcAft>
+            <a:buNone/>
           </a:pPr>
           <a:endParaRPr lang="zh-TW" altLang="en-US" sz="500" kern="1200"/>
         </a:p>
@@ -2489,7 +2337,7 @@
         </a:bodyPr>
         <a:lstStyle/>
         <a:p>
-          <a:pPr lvl="0" algn="ctr" defTabSz="666750">
+          <a:pPr marL="0" lvl="0" indent="0" algn="ctr" defTabSz="666750">
             <a:lnSpc>
               <a:spcPct val="90000"/>
             </a:lnSpc>
@@ -2499,9 +2347,10 @@
             <a:spcAft>
               <a:spcPct val="35000"/>
             </a:spcAft>
+            <a:buNone/>
           </a:pPr>
           <a:r>
-            <a:rPr lang="en-US" altLang="zh-TW" sz="1500" kern="1200" dirty="0" smtClean="0"/>
+            <a:rPr lang="en-US" altLang="zh-TW" sz="1500" kern="1200" dirty="0"/>
             <a:t>sender</a:t>
           </a:r>
           <a:endParaRPr lang="zh-TW" altLang="en-US" sz="1500" kern="1200" dirty="0"/>
@@ -2572,7 +2421,7 @@
         </a:bodyPr>
         <a:lstStyle/>
         <a:p>
-          <a:pPr lvl="0" algn="ctr" defTabSz="222250">
+          <a:pPr marL="0" lvl="0" indent="0" algn="ctr" defTabSz="222250">
             <a:lnSpc>
               <a:spcPct val="90000"/>
             </a:lnSpc>
@@ -2582,6 +2431,7 @@
             <a:spcAft>
               <a:spcPct val="35000"/>
             </a:spcAft>
+            <a:buNone/>
           </a:pPr>
           <a:endParaRPr lang="zh-TW" altLang="en-US" sz="500" kern="1200"/>
         </a:p>
@@ -2647,7 +2497,7 @@
         </a:bodyPr>
         <a:lstStyle/>
         <a:p>
-          <a:pPr lvl="0" algn="ctr" defTabSz="666750">
+          <a:pPr marL="0" lvl="0" indent="0" algn="ctr" defTabSz="666750">
             <a:lnSpc>
               <a:spcPct val="90000"/>
             </a:lnSpc>
@@ -2657,9 +2507,10 @@
             <a:spcAft>
               <a:spcPct val="35000"/>
             </a:spcAft>
+            <a:buNone/>
           </a:pPr>
           <a:r>
-            <a:rPr lang="en-US" altLang="zh-TW" sz="1500" kern="1200" dirty="0" smtClean="0"/>
+            <a:rPr lang="en-US" altLang="zh-TW" sz="1500" kern="1200" dirty="0"/>
             <a:t>utterances</a:t>
           </a:r>
           <a:endParaRPr lang="zh-TW" altLang="en-US" sz="1500" kern="1200" dirty="0"/>
@@ -2730,7 +2581,7 @@
         </a:bodyPr>
         <a:lstStyle/>
         <a:p>
-          <a:pPr lvl="0" algn="ctr" defTabSz="222250">
+          <a:pPr marL="0" lvl="0" indent="0" algn="ctr" defTabSz="222250">
             <a:lnSpc>
               <a:spcPct val="90000"/>
             </a:lnSpc>
@@ -2740,6 +2591,7 @@
             <a:spcAft>
               <a:spcPct val="35000"/>
             </a:spcAft>
+            <a:buNone/>
           </a:pPr>
           <a:endParaRPr lang="zh-TW" altLang="en-US" sz="500" kern="1200"/>
         </a:p>
@@ -2802,7 +2654,7 @@
         </a:bodyPr>
         <a:lstStyle/>
         <a:p>
-          <a:pPr lvl="0" algn="ctr" defTabSz="666750">
+          <a:pPr marL="0" lvl="0" indent="0" algn="ctr" defTabSz="666750">
             <a:lnSpc>
               <a:spcPct val="90000"/>
             </a:lnSpc>
@@ -2812,9 +2664,10 @@
             <a:spcAft>
               <a:spcPct val="35000"/>
             </a:spcAft>
+            <a:buNone/>
           </a:pPr>
           <a:r>
-            <a:rPr lang="en-US" altLang="zh-TW" sz="1500" kern="1200" dirty="0" smtClean="0"/>
+            <a:rPr lang="en-US" altLang="zh-TW" sz="1500" kern="1200" dirty="0"/>
             <a:t>id</a:t>
           </a:r>
           <a:endParaRPr lang="zh-TW" altLang="en-US" sz="1500" kern="1200" dirty="0"/>
@@ -4247,7 +4100,7 @@
           </a:lstStyle>
           <a:p>
             <a:r>
-              <a:rPr lang="zh-TW" altLang="en-US" smtClean="0"/>
+              <a:rPr lang="zh-TW" altLang="en-US"/>
               <a:t>按一下以編輯母片標題樣式</a:t>
             </a:r>
             <a:endParaRPr lang="en-US" dirty="0"/>
@@ -4322,7 +4175,7 @@
           </a:lstStyle>
           <a:p>
             <a:r>
-              <a:rPr lang="zh-TW" altLang="en-US" smtClean="0"/>
+              <a:rPr lang="zh-TW" altLang="en-US"/>
               <a:t>按一下以編輯母片副標題樣式</a:t>
             </a:r>
             <a:endParaRPr lang="en-US" dirty="0"/>
@@ -4346,7 +4199,7 @@
           <a:p>
             <a:fld id="{90E59E8F-6123-4561-BAFC-04179EDCBAB7}" type="datetimeFigureOut">
               <a:rPr lang="en-US" smtClean="0"/>
-              <a:t>4/8/2020</a:t>
+              <a:t>4/9/2020</a:t>
             </a:fld>
             <a:endParaRPr lang="en-US"/>
           </a:p>
@@ -4440,7 +4293,7 @@
           <a:lstStyle/>
           <a:p>
             <a:r>
-              <a:rPr lang="zh-TW" altLang="en-US" smtClean="0"/>
+              <a:rPr lang="zh-TW" altLang="en-US"/>
               <a:t>按一下以編輯母片標題樣式</a:t>
             </a:r>
             <a:endParaRPr lang="en-US" dirty="0"/>
@@ -4464,35 +4317,35 @@
           <a:p>
             <a:pPr lvl="0"/>
             <a:r>
-              <a:rPr lang="zh-TW" altLang="en-US" smtClean="0"/>
+              <a:rPr lang="zh-TW" altLang="en-US"/>
               <a:t>編輯母片文字樣式</a:t>
             </a:r>
           </a:p>
           <a:p>
             <a:pPr lvl="1"/>
             <a:r>
-              <a:rPr lang="zh-TW" altLang="en-US" smtClean="0"/>
+              <a:rPr lang="zh-TW" altLang="en-US"/>
               <a:t>第二層</a:t>
             </a:r>
           </a:p>
           <a:p>
             <a:pPr lvl="2"/>
             <a:r>
-              <a:rPr lang="zh-TW" altLang="en-US" smtClean="0"/>
+              <a:rPr lang="zh-TW" altLang="en-US"/>
               <a:t>第三層</a:t>
             </a:r>
           </a:p>
           <a:p>
             <a:pPr lvl="3"/>
             <a:r>
-              <a:rPr lang="zh-TW" altLang="en-US" smtClean="0"/>
+              <a:rPr lang="zh-TW" altLang="en-US"/>
               <a:t>第四層</a:t>
             </a:r>
           </a:p>
           <a:p>
             <a:pPr lvl="4"/>
             <a:r>
-              <a:rPr lang="zh-TW" altLang="en-US" smtClean="0"/>
+              <a:rPr lang="zh-TW" altLang="en-US"/>
               <a:t>第五層</a:t>
             </a:r>
             <a:endParaRPr lang="en-US" dirty="0"/>
@@ -4516,7 +4369,7 @@
           <a:p>
             <a:fld id="{90E59E8F-6123-4561-BAFC-04179EDCBAB7}" type="datetimeFigureOut">
               <a:rPr lang="en-US" smtClean="0"/>
-              <a:t>4/8/2020</a:t>
+              <a:t>4/9/2020</a:t>
             </a:fld>
             <a:endParaRPr lang="en-US"/>
           </a:p>
@@ -4615,7 +4468,7 @@
           <a:lstStyle/>
           <a:p>
             <a:r>
-              <a:rPr lang="zh-TW" altLang="en-US" smtClean="0"/>
+              <a:rPr lang="zh-TW" altLang="en-US"/>
               <a:t>按一下以編輯母片標題樣式</a:t>
             </a:r>
             <a:endParaRPr lang="en-US" dirty="0"/>
@@ -4644,35 +4497,35 @@
           <a:p>
             <a:pPr lvl="0"/>
             <a:r>
-              <a:rPr lang="zh-TW" altLang="en-US" smtClean="0"/>
+              <a:rPr lang="zh-TW" altLang="en-US"/>
               <a:t>編輯母片文字樣式</a:t>
             </a:r>
           </a:p>
           <a:p>
             <a:pPr lvl="1"/>
             <a:r>
-              <a:rPr lang="zh-TW" altLang="en-US" smtClean="0"/>
+              <a:rPr lang="zh-TW" altLang="en-US"/>
               <a:t>第二層</a:t>
             </a:r>
           </a:p>
           <a:p>
             <a:pPr lvl="2"/>
             <a:r>
-              <a:rPr lang="zh-TW" altLang="en-US" smtClean="0"/>
+              <a:rPr lang="zh-TW" altLang="en-US"/>
               <a:t>第三層</a:t>
             </a:r>
           </a:p>
           <a:p>
             <a:pPr lvl="3"/>
             <a:r>
-              <a:rPr lang="zh-TW" altLang="en-US" smtClean="0"/>
+              <a:rPr lang="zh-TW" altLang="en-US"/>
               <a:t>第四層</a:t>
             </a:r>
           </a:p>
           <a:p>
             <a:pPr lvl="4"/>
             <a:r>
-              <a:rPr lang="zh-TW" altLang="en-US" smtClean="0"/>
+              <a:rPr lang="zh-TW" altLang="en-US"/>
               <a:t>第五層</a:t>
             </a:r>
             <a:endParaRPr lang="en-US" dirty="0"/>
@@ -4696,7 +4549,7 @@
           <a:p>
             <a:fld id="{90E59E8F-6123-4561-BAFC-04179EDCBAB7}" type="datetimeFigureOut">
               <a:rPr lang="en-US" smtClean="0"/>
-              <a:t>4/8/2020</a:t>
+              <a:t>4/9/2020</a:t>
             </a:fld>
             <a:endParaRPr lang="en-US"/>
           </a:p>
@@ -4790,7 +4643,7 @@
           <a:lstStyle/>
           <a:p>
             <a:r>
-              <a:rPr lang="zh-TW" altLang="en-US" smtClean="0"/>
+              <a:rPr lang="zh-TW" altLang="en-US"/>
               <a:t>按一下以編輯母片標題樣式</a:t>
             </a:r>
             <a:endParaRPr lang="en-US" dirty="0"/>
@@ -4814,35 +4667,35 @@
           <a:p>
             <a:pPr lvl="0"/>
             <a:r>
-              <a:rPr lang="zh-TW" altLang="en-US" smtClean="0"/>
+              <a:rPr lang="zh-TW" altLang="en-US"/>
               <a:t>編輯母片文字樣式</a:t>
             </a:r>
           </a:p>
           <a:p>
             <a:pPr lvl="1"/>
             <a:r>
-              <a:rPr lang="zh-TW" altLang="en-US" smtClean="0"/>
+              <a:rPr lang="zh-TW" altLang="en-US"/>
               <a:t>第二層</a:t>
             </a:r>
           </a:p>
           <a:p>
             <a:pPr lvl="2"/>
             <a:r>
-              <a:rPr lang="zh-TW" altLang="en-US" smtClean="0"/>
+              <a:rPr lang="zh-TW" altLang="en-US"/>
               <a:t>第三層</a:t>
             </a:r>
           </a:p>
           <a:p>
             <a:pPr lvl="3"/>
             <a:r>
-              <a:rPr lang="zh-TW" altLang="en-US" smtClean="0"/>
+              <a:rPr lang="zh-TW" altLang="en-US"/>
               <a:t>第四層</a:t>
             </a:r>
           </a:p>
           <a:p>
             <a:pPr lvl="4"/>
             <a:r>
-              <a:rPr lang="zh-TW" altLang="en-US" smtClean="0"/>
+              <a:rPr lang="zh-TW" altLang="en-US"/>
               <a:t>第五層</a:t>
             </a:r>
             <a:endParaRPr lang="en-US" dirty="0"/>
@@ -4866,7 +4719,7 @@
           <a:p>
             <a:fld id="{90E59E8F-6123-4561-BAFC-04179EDCBAB7}" type="datetimeFigureOut">
               <a:rPr lang="en-US" smtClean="0"/>
-              <a:t>4/8/2020</a:t>
+              <a:t>4/9/2020</a:t>
             </a:fld>
             <a:endParaRPr lang="en-US"/>
           </a:p>
@@ -4991,7 +4844,7 @@
           </a:lstStyle>
           <a:p>
             <a:r>
-              <a:rPr lang="zh-TW" altLang="en-US" smtClean="0"/>
+              <a:rPr lang="zh-TW" altLang="en-US"/>
               <a:t>按一下以編輯母片標題樣式</a:t>
             </a:r>
             <a:endParaRPr lang="en-US" dirty="0"/>
@@ -5111,7 +4964,7 @@
           <a:p>
             <a:pPr lvl="0"/>
             <a:r>
-              <a:rPr lang="zh-TW" altLang="en-US" smtClean="0"/>
+              <a:rPr lang="zh-TW" altLang="en-US"/>
               <a:t>編輯母片文字樣式</a:t>
             </a:r>
           </a:p>
@@ -5134,7 +4987,7 @@
           <a:p>
             <a:fld id="{90E59E8F-6123-4561-BAFC-04179EDCBAB7}" type="datetimeFigureOut">
               <a:rPr lang="en-US" smtClean="0"/>
-              <a:t>4/8/2020</a:t>
+              <a:t>4/9/2020</a:t>
             </a:fld>
             <a:endParaRPr lang="en-US"/>
           </a:p>
@@ -5228,7 +5081,7 @@
           <a:lstStyle/>
           <a:p>
             <a:r>
-              <a:rPr lang="zh-TW" altLang="en-US" smtClean="0"/>
+              <a:rPr lang="zh-TW" altLang="en-US"/>
               <a:t>按一下以編輯母片標題樣式</a:t>
             </a:r>
             <a:endParaRPr lang="en-US" dirty="0"/>
@@ -5257,35 +5110,35 @@
           <a:p>
             <a:pPr lvl="0"/>
             <a:r>
-              <a:rPr lang="zh-TW" altLang="en-US" smtClean="0"/>
+              <a:rPr lang="zh-TW" altLang="en-US"/>
               <a:t>編輯母片文字樣式</a:t>
             </a:r>
           </a:p>
           <a:p>
             <a:pPr lvl="1"/>
             <a:r>
-              <a:rPr lang="zh-TW" altLang="en-US" smtClean="0"/>
+              <a:rPr lang="zh-TW" altLang="en-US"/>
               <a:t>第二層</a:t>
             </a:r>
           </a:p>
           <a:p>
             <a:pPr lvl="2"/>
             <a:r>
-              <a:rPr lang="zh-TW" altLang="en-US" smtClean="0"/>
+              <a:rPr lang="zh-TW" altLang="en-US"/>
               <a:t>第三層</a:t>
             </a:r>
           </a:p>
           <a:p>
             <a:pPr lvl="3"/>
             <a:r>
-              <a:rPr lang="zh-TW" altLang="en-US" smtClean="0"/>
+              <a:rPr lang="zh-TW" altLang="en-US"/>
               <a:t>第四層</a:t>
             </a:r>
           </a:p>
           <a:p>
             <a:pPr lvl="4"/>
             <a:r>
-              <a:rPr lang="zh-TW" altLang="en-US" smtClean="0"/>
+              <a:rPr lang="zh-TW" altLang="en-US"/>
               <a:t>第五層</a:t>
             </a:r>
             <a:endParaRPr lang="en-US" dirty="0"/>
@@ -5314,35 +5167,35 @@
           <a:p>
             <a:pPr lvl="0"/>
             <a:r>
-              <a:rPr lang="zh-TW" altLang="en-US" smtClean="0"/>
+              <a:rPr lang="zh-TW" altLang="en-US"/>
               <a:t>編輯母片文字樣式</a:t>
             </a:r>
           </a:p>
           <a:p>
             <a:pPr lvl="1"/>
             <a:r>
-              <a:rPr lang="zh-TW" altLang="en-US" smtClean="0"/>
+              <a:rPr lang="zh-TW" altLang="en-US"/>
               <a:t>第二層</a:t>
             </a:r>
           </a:p>
           <a:p>
             <a:pPr lvl="2"/>
             <a:r>
-              <a:rPr lang="zh-TW" altLang="en-US" smtClean="0"/>
+              <a:rPr lang="zh-TW" altLang="en-US"/>
               <a:t>第三層</a:t>
             </a:r>
           </a:p>
           <a:p>
             <a:pPr lvl="3"/>
             <a:r>
-              <a:rPr lang="zh-TW" altLang="en-US" smtClean="0"/>
+              <a:rPr lang="zh-TW" altLang="en-US"/>
               <a:t>第四層</a:t>
             </a:r>
           </a:p>
           <a:p>
             <a:pPr lvl="4"/>
             <a:r>
-              <a:rPr lang="zh-TW" altLang="en-US" smtClean="0"/>
+              <a:rPr lang="zh-TW" altLang="en-US"/>
               <a:t>第五層</a:t>
             </a:r>
             <a:endParaRPr lang="en-US" dirty="0"/>
@@ -5366,7 +5219,7 @@
           <a:p>
             <a:fld id="{90E59E8F-6123-4561-BAFC-04179EDCBAB7}" type="datetimeFigureOut">
               <a:rPr lang="en-US" smtClean="0"/>
-              <a:t>4/8/2020</a:t>
+              <a:t>4/9/2020</a:t>
             </a:fld>
             <a:endParaRPr lang="en-US"/>
           </a:p>
@@ -5511,7 +5364,7 @@
           <a:p>
             <a:pPr lvl="0"/>
             <a:r>
-              <a:rPr lang="zh-TW" altLang="en-US" smtClean="0"/>
+              <a:rPr lang="zh-TW" altLang="en-US"/>
               <a:t>編輯母片文字樣式</a:t>
             </a:r>
           </a:p>
@@ -5539,35 +5392,35 @@
           <a:p>
             <a:pPr lvl="0"/>
             <a:r>
-              <a:rPr lang="zh-TW" altLang="en-US" smtClean="0"/>
+              <a:rPr lang="zh-TW" altLang="en-US"/>
               <a:t>編輯母片文字樣式</a:t>
             </a:r>
           </a:p>
           <a:p>
             <a:pPr lvl="1"/>
             <a:r>
-              <a:rPr lang="zh-TW" altLang="en-US" smtClean="0"/>
+              <a:rPr lang="zh-TW" altLang="en-US"/>
               <a:t>第二層</a:t>
             </a:r>
           </a:p>
           <a:p>
             <a:pPr lvl="2"/>
             <a:r>
-              <a:rPr lang="zh-TW" altLang="en-US" smtClean="0"/>
+              <a:rPr lang="zh-TW" altLang="en-US"/>
               <a:t>第三層</a:t>
             </a:r>
           </a:p>
           <a:p>
             <a:pPr lvl="3"/>
             <a:r>
-              <a:rPr lang="zh-TW" altLang="en-US" smtClean="0"/>
+              <a:rPr lang="zh-TW" altLang="en-US"/>
               <a:t>第四層</a:t>
             </a:r>
           </a:p>
           <a:p>
             <a:pPr lvl="4"/>
             <a:r>
-              <a:rPr lang="zh-TW" altLang="en-US" smtClean="0"/>
+              <a:rPr lang="zh-TW" altLang="en-US"/>
               <a:t>第五層</a:t>
             </a:r>
             <a:endParaRPr lang="en-US" dirty="0"/>
@@ -5600,35 +5453,35 @@
           <a:p>
             <a:pPr lvl="0"/>
             <a:r>
-              <a:rPr lang="zh-TW" altLang="en-US" smtClean="0"/>
+              <a:rPr lang="zh-TW" altLang="en-US"/>
               <a:t>編輯母片文字樣式</a:t>
             </a:r>
           </a:p>
           <a:p>
             <a:pPr lvl="1"/>
             <a:r>
-              <a:rPr lang="zh-TW" altLang="en-US" smtClean="0"/>
+              <a:rPr lang="zh-TW" altLang="en-US"/>
               <a:t>第二層</a:t>
             </a:r>
           </a:p>
           <a:p>
             <a:pPr lvl="2"/>
             <a:r>
-              <a:rPr lang="zh-TW" altLang="en-US" smtClean="0"/>
+              <a:rPr lang="zh-TW" altLang="en-US"/>
               <a:t>第三層</a:t>
             </a:r>
           </a:p>
           <a:p>
             <a:pPr lvl="3"/>
             <a:r>
-              <a:rPr lang="zh-TW" altLang="en-US" smtClean="0"/>
+              <a:rPr lang="zh-TW" altLang="en-US"/>
               <a:t>第四層</a:t>
             </a:r>
           </a:p>
           <a:p>
             <a:pPr lvl="4"/>
             <a:r>
-              <a:rPr lang="zh-TW" altLang="en-US" smtClean="0"/>
+              <a:rPr lang="zh-TW" altLang="en-US"/>
               <a:t>第五層</a:t>
             </a:r>
             <a:endParaRPr lang="en-US" dirty="0"/>
@@ -5702,7 +5555,7 @@
           <a:p>
             <a:pPr lvl="0"/>
             <a:r>
-              <a:rPr lang="zh-TW" altLang="en-US" smtClean="0"/>
+              <a:rPr lang="zh-TW" altLang="en-US"/>
               <a:t>編輯母片文字樣式</a:t>
             </a:r>
           </a:p>
@@ -5725,7 +5578,7 @@
           <a:p>
             <a:fld id="{90E59E8F-6123-4561-BAFC-04179EDCBAB7}" type="datetimeFigureOut">
               <a:rPr lang="en-US" smtClean="0"/>
-              <a:t>4/8/2020</a:t>
+              <a:t>4/9/2020</a:t>
             </a:fld>
             <a:endParaRPr lang="en-US"/>
           </a:p>
@@ -5789,7 +5642,7 @@
           <a:lstStyle/>
           <a:p>
             <a:r>
-              <a:rPr lang="zh-TW" altLang="en-US" smtClean="0"/>
+              <a:rPr lang="zh-TW" altLang="en-US"/>
               <a:t>按一下以編輯母片標題樣式</a:t>
             </a:r>
             <a:endParaRPr lang="en-US" dirty="0"/>
@@ -5842,7 +5695,7 @@
           <a:lstStyle/>
           <a:p>
             <a:r>
-              <a:rPr lang="zh-TW" altLang="en-US" smtClean="0"/>
+              <a:rPr lang="zh-TW" altLang="en-US"/>
               <a:t>按一下以編輯母片標題樣式</a:t>
             </a:r>
             <a:endParaRPr lang="en-US" dirty="0"/>
@@ -5866,7 +5719,7 @@
           <a:p>
             <a:fld id="{90E59E8F-6123-4561-BAFC-04179EDCBAB7}" type="datetimeFigureOut">
               <a:rPr lang="en-US" smtClean="0"/>
-              <a:t>4/8/2020</a:t>
+              <a:t>4/9/2020</a:t>
             </a:fld>
             <a:endParaRPr lang="en-US"/>
           </a:p>
@@ -5961,7 +5814,7 @@
           <a:p>
             <a:fld id="{90E59E8F-6123-4561-BAFC-04179EDCBAB7}" type="datetimeFigureOut">
               <a:rPr lang="en-US" smtClean="0"/>
-              <a:t>4/8/2020</a:t>
+              <a:t>4/9/2020</a:t>
             </a:fld>
             <a:endParaRPr lang="en-US"/>
           </a:p>
@@ -6116,7 +5969,7 @@
           </a:lstStyle>
           <a:p>
             <a:r>
-              <a:rPr lang="zh-TW" altLang="en-US" smtClean="0"/>
+              <a:rPr lang="zh-TW" altLang="en-US"/>
               <a:t>按一下以編輯母片標題樣式</a:t>
             </a:r>
             <a:endParaRPr lang="en-US" dirty="0"/>
@@ -6195,35 +6048,35 @@
           <a:p>
             <a:pPr lvl="0"/>
             <a:r>
-              <a:rPr lang="zh-TW" altLang="en-US" smtClean="0"/>
+              <a:rPr lang="zh-TW" altLang="en-US"/>
               <a:t>編輯母片文字樣式</a:t>
             </a:r>
           </a:p>
           <a:p>
             <a:pPr lvl="1"/>
             <a:r>
-              <a:rPr lang="zh-TW" altLang="en-US" smtClean="0"/>
+              <a:rPr lang="zh-TW" altLang="en-US"/>
               <a:t>第二層</a:t>
             </a:r>
           </a:p>
           <a:p>
             <a:pPr lvl="2"/>
             <a:r>
-              <a:rPr lang="zh-TW" altLang="en-US" smtClean="0"/>
+              <a:rPr lang="zh-TW" altLang="en-US"/>
               <a:t>第三層</a:t>
             </a:r>
           </a:p>
           <a:p>
             <a:pPr lvl="3"/>
             <a:r>
-              <a:rPr lang="zh-TW" altLang="en-US" smtClean="0"/>
+              <a:rPr lang="zh-TW" altLang="en-US"/>
               <a:t>第四層</a:t>
             </a:r>
           </a:p>
           <a:p>
             <a:pPr lvl="4"/>
             <a:r>
-              <a:rPr lang="zh-TW" altLang="en-US" smtClean="0"/>
+              <a:rPr lang="zh-TW" altLang="en-US"/>
               <a:t>第五層</a:t>
             </a:r>
             <a:endParaRPr lang="en-US" dirty="0"/>
@@ -6295,7 +6148,7 @@
           <a:p>
             <a:pPr lvl="0"/>
             <a:r>
-              <a:rPr lang="zh-TW" altLang="en-US" smtClean="0"/>
+              <a:rPr lang="zh-TW" altLang="en-US"/>
               <a:t>編輯母片文字樣式</a:t>
             </a:r>
           </a:p>
@@ -6318,7 +6171,7 @@
           <a:p>
             <a:fld id="{90E59E8F-6123-4561-BAFC-04179EDCBAB7}" type="datetimeFigureOut">
               <a:rPr lang="en-US" smtClean="0"/>
-              <a:t>4/8/2020</a:t>
+              <a:t>4/9/2020</a:t>
             </a:fld>
             <a:endParaRPr lang="en-US"/>
           </a:p>
@@ -6488,7 +6341,7 @@
           </a:lstStyle>
           <a:p>
             <a:r>
-              <a:rPr lang="zh-TW" altLang="en-US" smtClean="0"/>
+              <a:rPr lang="zh-TW" altLang="en-US"/>
               <a:t>按一下以編輯母片標題樣式</a:t>
             </a:r>
             <a:endParaRPr lang="en-US" dirty="0"/>
@@ -6565,7 +6418,7 @@
           </a:lstStyle>
           <a:p>
             <a:r>
-              <a:rPr lang="zh-TW" altLang="en-US" smtClean="0"/>
+              <a:rPr lang="zh-TW" altLang="en-US"/>
               <a:t>按一下圖示以新增圖片</a:t>
             </a:r>
             <a:endParaRPr lang="en-US" dirty="0"/>
@@ -6637,7 +6490,7 @@
           <a:p>
             <a:pPr lvl="0"/>
             <a:r>
-              <a:rPr lang="zh-TW" altLang="en-US" smtClean="0"/>
+              <a:rPr lang="zh-TW" altLang="en-US"/>
               <a:t>編輯母片文字樣式</a:t>
             </a:r>
           </a:p>
@@ -6675,7 +6528,7 @@
           <a:p>
             <a:fld id="{90E59E8F-6123-4561-BAFC-04179EDCBAB7}" type="datetimeFigureOut">
               <a:rPr lang="en-US" smtClean="0"/>
-              <a:t>4/8/2020</a:t>
+              <a:t>4/9/2020</a:t>
             </a:fld>
             <a:endParaRPr lang="en-US"/>
           </a:p>
@@ -6813,7 +6666,7 @@
           <a:lstStyle/>
           <a:p>
             <a:r>
-              <a:rPr lang="zh-TW" altLang="en-US" smtClean="0"/>
+              <a:rPr lang="zh-TW" altLang="en-US"/>
               <a:t>按一下以編輯母片標題樣式</a:t>
             </a:r>
             <a:endParaRPr lang="en-US" dirty="0"/>
@@ -6916,7 +6769,7 @@
           <a:p>
             <a:fld id="{90E59E8F-6123-4561-BAFC-04179EDCBAB7}" type="datetimeFigureOut">
               <a:rPr lang="en-US" smtClean="0"/>
-              <a:t>4/8/2020</a:t>
+              <a:t>4/9/2020</a:t>
             </a:fld>
             <a:endParaRPr lang="en-US"/>
           </a:p>
@@ -7386,15 +7239,11 @@
           <a:lstStyle/>
           <a:p>
             <a:r>
-              <a:rPr lang="en-US" altLang="zh-TW" sz="2700" dirty="0" smtClean="0"/>
+              <a:rPr lang="en-US" altLang="zh-TW" sz="2700" dirty="0"/>
               <a:t>Team presentation-1</a:t>
             </a:r>
-            <a:r>
-              <a:rPr lang="en-US" altLang="zh-TW" dirty="0" smtClean="0"/>
-              <a:t/>
-            </a:r>
             <a:br>
-              <a:rPr lang="en-US" altLang="zh-TW" dirty="0" smtClean="0"/>
+              <a:rPr lang="en-US" altLang="zh-TW" dirty="0"/>
             </a:br>
             <a:r>
               <a:rPr lang="en-US" sz="4000" b="1" dirty="0"/>
@@ -7413,11 +7262,7 @@
             </a:br>
             <a:r>
               <a:rPr lang="en-US" sz="3100" b="1" dirty="0"/>
-              <a:t>Dialogue Evaluation </a:t>
-            </a:r>
-            <a:r>
-              <a:rPr lang="en-US" sz="3100" b="1" dirty="0" smtClean="0"/>
-              <a:t>Task</a:t>
+              <a:t>Dialogue Evaluation Task</a:t>
             </a:r>
             <a:endParaRPr lang="en-US" dirty="0"/>
           </a:p>
@@ -7439,24 +7284,20 @@
           <a:lstStyle/>
           <a:p>
             <a:r>
-              <a:rPr lang="zh-TW" altLang="en-US" dirty="0" smtClean="0"/>
+              <a:rPr lang="zh-TW" altLang="en-US" dirty="0"/>
               <a:t>組員 </a:t>
             </a:r>
             <a:r>
-              <a:rPr lang="en-US" altLang="zh-TW" dirty="0" smtClean="0"/>
+              <a:rPr lang="en-US" altLang="zh-TW" dirty="0"/>
               <a:t>:</a:t>
             </a:r>
             <a:r>
-              <a:rPr lang="zh-TW" altLang="en-US" dirty="0" smtClean="0"/>
+              <a:rPr lang="zh-TW" altLang="en-US" dirty="0"/>
               <a:t> 黃彥鈞、黃顗亘、鄭宇</a:t>
             </a:r>
             <a:r>
-              <a:rPr lang="zh-TW" altLang="en-US" smtClean="0"/>
-              <a:t>雅</a:t>
-            </a:r>
-            <a:r>
               <a:rPr lang="zh-TW" altLang="en-US"/>
-              <a:t>、廖容毅</a:t>
+              <a:t>雅、廖容毅</a:t>
             </a:r>
             <a:endParaRPr lang="en-US" dirty="0"/>
           </a:p>
@@ -7472,13 +7313,6 @@
   <p:clrMapOvr>
     <a:masterClrMapping/>
   </p:clrMapOvr>
-  <p:timing>
-    <p:tnLst>
-      <p:par>
-        <p:cTn id="1" dur="indefinite" restart="never" nodeType="tmRoot"/>
-      </p:par>
-    </p:tnLst>
-  </p:timing>
 </p:sld>
 </file>
 
@@ -7516,13 +7350,8 @@
           <a:p>
             <a:r>
               <a:rPr lang="en-US" dirty="0"/>
-              <a:t>Approaches and </a:t>
-            </a:r>
-            <a:r>
-              <a:rPr lang="en-US" dirty="0" smtClean="0"/>
-              <a:t>Progress(III)</a:t>
-            </a:r>
-            <a:endParaRPr lang="en-US" dirty="0"/>
+              <a:t>Approaches and Progress(III)</a:t>
+            </a:r>
           </a:p>
         </p:txBody>
       </p:sp>
@@ -7860,7 +7689,7 @@
           <a:lstStyle/>
           <a:p>
             <a:r>
-              <a:rPr lang="en-US" dirty="0" smtClean="0">
+              <a:rPr lang="en-US" dirty="0">
                 <a:solidFill>
                   <a:schemeClr val="accent1">
                     <a:lumMod val="50000"/>
@@ -7870,14 +7699,6 @@
               </a:rPr>
               <a:t>Case 1</a:t>
             </a:r>
-            <a:endParaRPr lang="en-US" dirty="0">
-              <a:solidFill>
-                <a:schemeClr val="accent1">
-                  <a:lumMod val="50000"/>
-                </a:schemeClr>
-              </a:solidFill>
-              <a:latin typeface="Arial Rounded MT Bold" panose="020F0704030504030204" pitchFamily="34" charset="0"/>
-            </a:endParaRPr>
           </a:p>
         </p:txBody>
       </p:sp>
@@ -7904,7 +7725,7 @@
           <a:lstStyle/>
           <a:p>
             <a:r>
-              <a:rPr lang="en-US" dirty="0" smtClean="0">
+              <a:rPr lang="en-US" dirty="0">
                 <a:solidFill>
                   <a:schemeClr val="tx2">
                     <a:lumMod val="50000"/>
@@ -7915,7 +7736,7 @@
               <a:t>Case </a:t>
             </a:r>
             <a:r>
-              <a:rPr lang="en-US" altLang="zh-TW" dirty="0" smtClean="0">
+              <a:rPr lang="en-US" altLang="zh-TW" dirty="0">
                 <a:solidFill>
                   <a:schemeClr val="tx2">
                     <a:lumMod val="50000"/>
@@ -7959,7 +7780,7 @@
           <a:lstStyle/>
           <a:p>
             <a:r>
-              <a:rPr lang="en-US" dirty="0" smtClean="0">
+              <a:rPr lang="en-US" dirty="0">
                 <a:solidFill>
                   <a:schemeClr val="tx2">
                     <a:lumMod val="50000"/>
@@ -8028,10 +7849,9 @@
           <a:p>
             <a:pPr algn="ctr"/>
             <a:r>
-              <a:rPr lang="en-US" sz="1200" dirty="0" smtClean="0"/>
+              <a:rPr lang="en-US" sz="1200" dirty="0"/>
               <a:t>Question statement</a:t>
             </a:r>
-            <a:endParaRPr lang="en-US" sz="1200" dirty="0"/>
           </a:p>
         </p:txBody>
       </p:sp>
@@ -8072,7 +7892,7 @@
           <a:p>
             <a:pPr algn="ctr"/>
             <a:r>
-              <a:rPr lang="en-US" sz="1200" dirty="0" smtClean="0"/>
+              <a:rPr lang="en-US" sz="1200" dirty="0"/>
               <a:t>Solution_1</a:t>
             </a:r>
             <a:endParaRPr lang="en-US" dirty="0"/>
@@ -8116,7 +7936,7 @@
           <a:p>
             <a:pPr algn="ctr"/>
             <a:r>
-              <a:rPr lang="en-US" sz="1200" dirty="0" smtClean="0"/>
+              <a:rPr lang="en-US" sz="1200" dirty="0"/>
               <a:t>Confirmation</a:t>
             </a:r>
             <a:endParaRPr lang="en-US" dirty="0"/>
@@ -8160,7 +7980,7 @@
           <a:p>
             <a:pPr algn="ctr"/>
             <a:r>
-              <a:rPr lang="en-US" altLang="zh-TW" dirty="0" smtClean="0"/>
+              <a:rPr lang="en-US" altLang="zh-TW" dirty="0"/>
               <a:t>1</a:t>
             </a:r>
             <a:endParaRPr lang="en-US" dirty="0"/>
@@ -8204,7 +8024,7 @@
           <a:p>
             <a:pPr algn="ctr"/>
             <a:r>
-              <a:rPr lang="en-US" altLang="zh-TW" dirty="0" smtClean="0"/>
+              <a:rPr lang="en-US" altLang="zh-TW" dirty="0"/>
               <a:t>2</a:t>
             </a:r>
             <a:endParaRPr lang="en-US" dirty="0"/>
@@ -8248,7 +8068,7 @@
           <a:p>
             <a:pPr algn="ctr"/>
             <a:r>
-              <a:rPr lang="en-US" altLang="zh-TW" dirty="0" smtClean="0"/>
+              <a:rPr lang="en-US" altLang="zh-TW" dirty="0"/>
               <a:t>3</a:t>
             </a:r>
             <a:endParaRPr lang="en-US" dirty="0"/>
@@ -8285,25 +8105,8 @@
                   </a:schemeClr>
                 </a:solidFill>
               </a:rPr>
-              <a:t>o</a:t>
-            </a:r>
-            <a:r>
-              <a:rPr lang="en-US" sz="1400" dirty="0" smtClean="0">
-                <a:solidFill>
-                  <a:schemeClr val="accent1">
-                    <a:lumMod val="50000"/>
-                  </a:schemeClr>
-                </a:solidFill>
-              </a:rPr>
-              <a:t>rder</a:t>
-            </a:r>
-            <a:endParaRPr lang="en-US" sz="1400" dirty="0">
-              <a:solidFill>
-                <a:schemeClr val="accent1">
-                  <a:lumMod val="50000"/>
-                </a:schemeClr>
-              </a:solidFill>
-            </a:endParaRPr>
+              <a:t>order</a:t>
+            </a:r>
           </a:p>
         </p:txBody>
       </p:sp>
@@ -8330,7 +8133,7 @@
           <a:lstStyle/>
           <a:p>
             <a:r>
-              <a:rPr lang="en-US" sz="1400" dirty="0" smtClean="0">
+              <a:rPr lang="en-US" sz="1400" dirty="0">
                 <a:solidFill>
                   <a:schemeClr val="accent1">
                     <a:lumMod val="50000"/>
@@ -8339,13 +8142,6 @@
               </a:rPr>
               <a:t>utterance</a:t>
             </a:r>
-            <a:endParaRPr lang="en-US" sz="1400" dirty="0">
-              <a:solidFill>
-                <a:schemeClr val="accent1">
-                  <a:lumMod val="50000"/>
-                </a:schemeClr>
-              </a:solidFill>
-            </a:endParaRPr>
           </a:p>
         </p:txBody>
       </p:sp>
@@ -8462,7 +8258,7 @@
           <a:lstStyle/>
           <a:p>
             <a:r>
-              <a:rPr lang="en-US" sz="1400" dirty="0" smtClean="0">
+              <a:rPr lang="en-US" sz="1400" dirty="0">
                 <a:solidFill>
                   <a:schemeClr val="accent1">
                     <a:lumMod val="50000"/>
@@ -8471,13 +8267,6 @@
               </a:rPr>
               <a:t>sender</a:t>
             </a:r>
-            <a:endParaRPr lang="en-US" sz="1400" dirty="0">
-              <a:solidFill>
-                <a:schemeClr val="accent1">
-                  <a:lumMod val="50000"/>
-                </a:schemeClr>
-              </a:solidFill>
-            </a:endParaRPr>
           </a:p>
         </p:txBody>
       </p:sp>
@@ -8727,10 +8516,9 @@
           <a:p>
             <a:pPr algn="ctr"/>
             <a:r>
-              <a:rPr lang="en-US" sz="1200" dirty="0" smtClean="0"/>
+              <a:rPr lang="en-US" sz="1200" dirty="0"/>
               <a:t>CNUG0</a:t>
             </a:r>
-            <a:endParaRPr lang="en-US" sz="1200" dirty="0"/>
           </a:p>
         </p:txBody>
       </p:sp>
@@ -8771,10 +8559,9 @@
           <a:p>
             <a:pPr algn="ctr"/>
             <a:r>
-              <a:rPr lang="en-US" sz="1200" dirty="0" smtClean="0"/>
+              <a:rPr lang="en-US" sz="1200" dirty="0"/>
               <a:t>HNUG</a:t>
             </a:r>
-            <a:endParaRPr lang="en-US" sz="1200" dirty="0"/>
           </a:p>
         </p:txBody>
       </p:sp>
@@ -8815,10 +8602,9 @@
           <a:p>
             <a:pPr algn="ctr"/>
             <a:r>
-              <a:rPr lang="en-US" sz="1400" dirty="0" smtClean="0"/>
+              <a:rPr lang="en-US" sz="1400" dirty="0"/>
               <a:t>CNUG</a:t>
             </a:r>
-            <a:endParaRPr lang="en-US" sz="1400" dirty="0"/>
           </a:p>
         </p:txBody>
       </p:sp>
@@ -8845,7 +8631,7 @@
           <a:lstStyle/>
           <a:p>
             <a:r>
-              <a:rPr lang="en-US" sz="1400" dirty="0" err="1" smtClean="0">
+              <a:rPr lang="en-US" sz="1400" dirty="0" err="1">
                 <a:solidFill>
                   <a:schemeClr val="accent1">
                     <a:lumMod val="50000"/>
@@ -8874,13 +8660,6 @@
   <p:clrMapOvr>
     <a:masterClrMapping/>
   </p:clrMapOvr>
-  <p:timing>
-    <p:tnLst>
-      <p:par>
-        <p:cTn id="1" dur="indefinite" restart="never" nodeType="tmRoot"/>
-      </p:par>
-    </p:tnLst>
-  </p:timing>
 </p:sld>
 </file>
 
@@ -8918,13 +8697,8 @@
           <a:p>
             <a:r>
               <a:rPr lang="en-US" dirty="0"/>
-              <a:t>Approaches and </a:t>
-            </a:r>
-            <a:r>
-              <a:rPr lang="en-US" dirty="0" smtClean="0"/>
-              <a:t>Progress(IV)</a:t>
-            </a:r>
-            <a:endParaRPr lang="en-US" dirty="0"/>
+              <a:t>Approaches and Progress(IV)</a:t>
+            </a:r>
           </a:p>
         </p:txBody>
       </p:sp>
@@ -9000,13 +8774,6 @@
   <p:clrMapOvr>
     <a:masterClrMapping/>
   </p:clrMapOvr>
-  <p:timing>
-    <p:tnLst>
-      <p:par>
-        <p:cTn id="1" dur="indefinite" restart="never" nodeType="tmRoot"/>
-      </p:par>
-    </p:tnLst>
-  </p:timing>
 </p:sld>
 </file>
 
@@ -9044,11 +8811,11 @@
           <a:p>
             <a:r>
               <a:rPr lang="en-US" dirty="0"/>
-              <a:t>Approaches and </a:t>
-            </a:r>
-            <a:r>
-              <a:rPr lang="en-US" dirty="0" smtClean="0"/>
-              <a:t>Progress(V)</a:t>
+              <a:t>Approaches and Progress</a:t>
+            </a:r>
+            <a:r>
+              <a:rPr lang="en-US"/>
+              <a:t>(V)</a:t>
             </a:r>
             <a:endParaRPr lang="en-US" dirty="0"/>
           </a:p>
@@ -9069,156 +8836,50 @@
           <a:bodyPr/>
           <a:lstStyle/>
           <a:p>
-            <a:endParaRPr lang="en-US"/>
-          </a:p>
-        </p:txBody>
-      </p:sp>
-      <p:sp>
-        <p:nvSpPr>
-          <p:cNvPr id="4" name="文字方塊 3"/>
-          <p:cNvSpPr txBox="1"/>
-          <p:nvPr/>
-        </p:nvSpPr>
-        <p:spPr>
-          <a:xfrm>
-            <a:off x="5293691" y="2767054"/>
-            <a:ext cx="2363416" cy="369332"/>
-          </a:xfrm>
-          <a:prstGeom prst="rect">
-            <a:avLst/>
-          </a:prstGeom>
-          <a:noFill/>
-        </p:spPr>
-        <p:txBody>
-          <a:bodyPr wrap="square" rtlCol="0">
-            <a:spAutoFit/>
-          </a:bodyPr>
-          <a:lstStyle/>
-          <a:p>
-            <a:r>
-              <a:rPr lang="en-US" b="1" dirty="0" smtClean="0"/>
-              <a:t>Second outcome</a:t>
-            </a:r>
-            <a:endParaRPr lang="en-US" b="1" dirty="0"/>
-          </a:p>
-        </p:txBody>
-      </p:sp>
-    </p:spTree>
-    <p:extLst>
-      <p:ext uri="{BB962C8B-B14F-4D97-AF65-F5344CB8AC3E}">
-        <p14:creationId xmlns:p14="http://schemas.microsoft.com/office/powerpoint/2010/main" val="3970864292"/>
-      </p:ext>
-    </p:extLst>
-  </p:cSld>
-  <p:clrMapOvr>
-    <a:masterClrMapping/>
-  </p:clrMapOvr>
-</p:sld>
-</file>
-
-<file path=ppt/slides/slide13.xml><?xml version="1.0" encoding="utf-8"?>
-<p:sld xmlns:a="http://schemas.openxmlformats.org/drawingml/2006/main" xmlns:r="http://schemas.openxmlformats.org/officeDocument/2006/relationships" xmlns:p="http://schemas.openxmlformats.org/presentationml/2006/main">
-  <p:cSld>
-    <p:spTree>
-      <p:nvGrpSpPr>
-        <p:cNvPr id="1" name=""/>
-        <p:cNvGrpSpPr/>
-        <p:nvPr/>
-      </p:nvGrpSpPr>
-      <p:grpSpPr>
-        <a:xfrm>
-          <a:off x="0" y="0"/>
-          <a:ext cx="0" cy="0"/>
-          <a:chOff x="0" y="0"/>
-          <a:chExt cx="0" cy="0"/>
-        </a:xfrm>
-      </p:grpSpPr>
-      <p:sp>
-        <p:nvSpPr>
-          <p:cNvPr id="2" name="標題 1"/>
-          <p:cNvSpPr>
-            <a:spLocks noGrp="1"/>
-          </p:cNvSpPr>
-          <p:nvPr>
-            <p:ph type="title"/>
-          </p:nvPr>
-        </p:nvSpPr>
-        <p:spPr/>
-        <p:txBody>
-          <a:bodyPr/>
-          <a:lstStyle/>
-          <a:p>
             <a:r>
               <a:rPr lang="en-US" dirty="0"/>
-              <a:t>Approaches and </a:t>
-            </a:r>
-            <a:r>
-              <a:rPr lang="en-US" dirty="0" smtClean="0"/>
-              <a:t>Progress(VI)</a:t>
-            </a:r>
-            <a:endParaRPr lang="en-US" dirty="0"/>
-          </a:p>
-        </p:txBody>
-      </p:sp>
-      <p:sp>
-        <p:nvSpPr>
-          <p:cNvPr id="3" name="內容版面配置區 2"/>
-          <p:cNvSpPr>
-            <a:spLocks noGrp="1"/>
-          </p:cNvSpPr>
-          <p:nvPr>
-            <p:ph idx="1"/>
-          </p:nvPr>
-        </p:nvSpPr>
-        <p:spPr/>
-        <p:txBody>
-          <a:bodyPr/>
-          <a:lstStyle/>
-          <a:p>
-            <a:r>
-              <a:rPr lang="en-US" dirty="0" smtClean="0"/>
               <a:t>Next steps : </a:t>
             </a:r>
           </a:p>
           <a:p>
             <a:r>
-              <a:rPr lang="en-US" dirty="0" smtClean="0"/>
+              <a:rPr lang="en-US" dirty="0"/>
               <a:t>Input the distribution for each nugget of each utterance directly to see how is the outcome.</a:t>
             </a:r>
           </a:p>
           <a:p>
             <a:r>
-              <a:rPr lang="en-US" dirty="0" smtClean="0"/>
+              <a:rPr lang="en-US" dirty="0"/>
               <a:t>Try to weight different </a:t>
             </a:r>
             <a:r>
-              <a:rPr lang="en-US" dirty="0" err="1" smtClean="0"/>
+              <a:rPr lang="en-US" dirty="0" err="1"/>
               <a:t>max_nugget</a:t>
             </a:r>
             <a:r>
-              <a:rPr lang="en-US" dirty="0" smtClean="0"/>
+              <a:rPr lang="en-US" dirty="0"/>
               <a:t> depends on each order of utterance.</a:t>
             </a:r>
           </a:p>
           <a:p>
             <a:r>
-              <a:rPr lang="en-US" dirty="0" smtClean="0"/>
+              <a:rPr lang="en-US" dirty="0"/>
               <a:t>Try </a:t>
             </a:r>
             <a:r>
-              <a:rPr lang="en-US" dirty="0" err="1" smtClean="0"/>
+              <a:rPr lang="en-US" dirty="0" err="1"/>
               <a:t>sequence_based</a:t>
             </a:r>
             <a:r>
-              <a:rPr lang="en-US" dirty="0" smtClean="0"/>
+              <a:rPr lang="en-US" dirty="0"/>
               <a:t> method to optimize the neural network</a:t>
             </a:r>
             <a:r>
-              <a:rPr lang="zh-TW" altLang="en-US" dirty="0" smtClean="0"/>
+              <a:rPr lang="zh-TW" altLang="en-US" dirty="0"/>
               <a:t> </a:t>
             </a:r>
             <a:r>
-              <a:rPr lang="en-US" altLang="zh-TW" smtClean="0"/>
+              <a:rPr lang="en-US" altLang="zh-TW"/>
               <a:t>method.</a:t>
             </a:r>
             <a:endParaRPr lang="en-US" dirty="0"/>
@@ -9271,10 +8932,9 @@
           <a:lstStyle/>
           <a:p>
             <a:r>
-              <a:rPr lang="en-US" dirty="0" smtClean="0"/>
+              <a:rPr lang="en-US" dirty="0"/>
               <a:t>Outlines</a:t>
             </a:r>
-            <a:endParaRPr lang="en-US" dirty="0"/>
           </a:p>
         </p:txBody>
       </p:sp>
@@ -9312,10 +8972,9 @@
           </a:p>
           <a:p>
             <a:r>
-              <a:rPr lang="en-US" dirty="0" smtClean="0"/>
+              <a:rPr lang="en-US" dirty="0"/>
               <a:t>Approaches and Progress</a:t>
             </a:r>
-            <a:endParaRPr lang="en-US" dirty="0"/>
           </a:p>
         </p:txBody>
       </p:sp>
@@ -9329,13 +8988,6 @@
   <p:clrMapOvr>
     <a:masterClrMapping/>
   </p:clrMapOvr>
-  <p:timing>
-    <p:tnLst>
-      <p:par>
-        <p:cTn id="1" dur="indefinite" restart="never" nodeType="tmRoot"/>
-      </p:par>
-    </p:tnLst>
-  </p:timing>
 </p:sld>
 </file>
 
@@ -9373,13 +9025,8 @@
           <a:p>
             <a:r>
               <a:rPr lang="en-US" dirty="0"/>
-              <a:t>Competition </a:t>
-            </a:r>
-            <a:r>
-              <a:rPr lang="en-US" dirty="0" smtClean="0"/>
-              <a:t>Introduction(I)</a:t>
-            </a:r>
-            <a:endParaRPr lang="en-US" dirty="0"/>
+              <a:t>Competition Introduction(I)</a:t>
+            </a:r>
           </a:p>
         </p:txBody>
       </p:sp>
@@ -9432,10 +9079,9 @@
           <a:p>
             <a:pPr algn="ctr"/>
             <a:r>
-              <a:rPr lang="en-US" dirty="0" smtClean="0"/>
+              <a:rPr lang="en-US" dirty="0"/>
               <a:t>NTCIR-15 DialEval-1</a:t>
             </a:r>
-            <a:endParaRPr lang="en-US" dirty="0"/>
           </a:p>
         </p:txBody>
       </p:sp>
@@ -9547,10 +9193,9 @@
           <a:p>
             <a:pPr algn="ctr"/>
             <a:r>
-              <a:rPr lang="en-US" smtClean="0"/>
+              <a:rPr lang="en-US"/>
               <a:t>Dialogue Quality (DQ)</a:t>
             </a:r>
-            <a:endParaRPr lang="en-US"/>
           </a:p>
         </p:txBody>
       </p:sp>
@@ -9601,10 +9246,9 @@
           <a:p>
             <a:pPr algn="ctr"/>
             <a:r>
-              <a:rPr lang="en-US" dirty="0" smtClean="0"/>
+              <a:rPr lang="en-US" dirty="0"/>
               <a:t>Nugget Detection (ND)</a:t>
             </a:r>
-            <a:endParaRPr lang="en-US" dirty="0"/>
           </a:p>
         </p:txBody>
       </p:sp>
@@ -9631,7 +9275,7 @@
           <a:lstStyle/>
           <a:p>
             <a:r>
-              <a:rPr lang="en-US" dirty="0" smtClean="0"/>
+              <a:rPr lang="en-US" dirty="0"/>
               <a:t>Given a customer-helpdesk dialogue, return an estimated distribution of dialogue quality ratings for the entire dialogue.</a:t>
             </a:r>
           </a:p>
@@ -9663,7 +9307,7 @@
           <a:lstStyle/>
           <a:p>
             <a:r>
-              <a:rPr lang="en-US" dirty="0" smtClean="0">
+              <a:rPr lang="en-US" dirty="0">
                 <a:solidFill>
                   <a:srgbClr val="FF0000"/>
                 </a:solidFill>
@@ -9699,11 +9343,11 @@
           <a:lstStyle/>
           <a:p>
             <a:r>
-              <a:rPr lang="en-US" dirty="0" smtClean="0"/>
+              <a:rPr lang="en-US" dirty="0"/>
               <a:t>Data: </a:t>
             </a:r>
             <a:r>
-              <a:rPr lang="en-US" dirty="0" smtClean="0">
+              <a:rPr lang="en-US" dirty="0">
                 <a:solidFill>
                   <a:srgbClr val="FF0000"/>
                 </a:solidFill>
@@ -9711,7 +9355,7 @@
               <a:t>Chinese</a:t>
             </a:r>
             <a:r>
-              <a:rPr lang="en-US" dirty="0" smtClean="0"/>
+              <a:rPr lang="en-US" dirty="0"/>
               <a:t> and English</a:t>
             </a:r>
           </a:p>
@@ -9743,15 +9387,15 @@
           <a:lstStyle/>
           <a:p>
             <a:r>
-              <a:rPr lang="en-US" altLang="zh-TW" sz="1400" dirty="0" smtClean="0"/>
+              <a:rPr lang="en-US" altLang="zh-TW" sz="1400" dirty="0"/>
               <a:t>Noted that the dataset is provided by the University of </a:t>
             </a:r>
             <a:r>
-              <a:rPr lang="en-US" altLang="zh-TW" sz="1400" dirty="0" err="1" smtClean="0"/>
+              <a:rPr lang="en-US" altLang="zh-TW" sz="1400" dirty="0" err="1"/>
               <a:t>Waseda</a:t>
             </a:r>
             <a:r>
-              <a:rPr lang="en-US" altLang="zh-TW" sz="1400" dirty="0" smtClean="0"/>
+              <a:rPr lang="en-US" altLang="zh-TW" sz="1400" dirty="0"/>
               <a:t>, Japan </a:t>
             </a:r>
             <a:endParaRPr lang="en-US" sz="1400" dirty="0"/>
@@ -9768,13 +9412,6 @@
   <p:clrMapOvr>
     <a:masterClrMapping/>
   </p:clrMapOvr>
-  <p:timing>
-    <p:tnLst>
-      <p:par>
-        <p:cTn id="1" dur="indefinite" restart="never" nodeType="tmRoot"/>
-      </p:par>
-    </p:tnLst>
-  </p:timing>
 </p:sld>
 </file>
 
@@ -9812,13 +9449,8 @@
           <a:p>
             <a:r>
               <a:rPr lang="en-US" dirty="0"/>
-              <a:t>Competition </a:t>
-            </a:r>
-            <a:r>
-              <a:rPr lang="en-US" dirty="0" smtClean="0"/>
-              <a:t>Introduction(II)</a:t>
-            </a:r>
-            <a:endParaRPr lang="en-US" dirty="0"/>
+              <a:t>Competition Introduction(II)</a:t>
+            </a:r>
           </a:p>
         </p:txBody>
       </p:sp>
@@ -10193,7 +9825,7 @@
             <a:lstStyle/>
             <a:p>
               <a:r>
-                <a:rPr lang="en-US" sz="1050" b="1" dirty="0" smtClean="0">
+                <a:rPr lang="en-US" sz="1050" b="1" dirty="0">
                   <a:solidFill>
                     <a:schemeClr val="bg1"/>
                   </a:solidFill>
@@ -10202,7 +9834,7 @@
                 <a:t>19 </a:t>
               </a:r>
               <a:r>
-                <a:rPr lang="en-US" altLang="zh-TW" sz="1050" b="1" dirty="0" smtClean="0">
+                <a:rPr lang="en-US" altLang="zh-TW" sz="1050" b="1" dirty="0">
                   <a:solidFill>
                     <a:schemeClr val="bg1"/>
                   </a:solidFill>
@@ -10211,7 +9843,7 @@
                 <a:t>Annotators</a:t>
               </a:r>
               <a:r>
-                <a:rPr lang="en-US" sz="1050" b="1" dirty="0" smtClean="0">
+                <a:rPr lang="en-US" sz="1050" b="1" dirty="0">
                   <a:solidFill>
                     <a:schemeClr val="bg1"/>
                   </a:solidFill>
@@ -10219,12 +9851,6 @@
                 </a:rPr>
                 <a:t> </a:t>
               </a:r>
-              <a:endParaRPr lang="en-US" sz="1050" b="1" dirty="0">
-                <a:solidFill>
-                  <a:schemeClr val="bg1"/>
-                </a:solidFill>
-                <a:latin typeface="Arial Rounded MT Bold" panose="020F0704030504030204" pitchFamily="34" charset="0"/>
-              </a:endParaRPr>
             </a:p>
           </p:txBody>
         </p:sp>
@@ -10447,13 +10073,6 @@
   <p:clrMapOvr>
     <a:masterClrMapping/>
   </p:clrMapOvr>
-  <p:timing>
-    <p:tnLst>
-      <p:par>
-        <p:cTn id="1" dur="indefinite" restart="never" nodeType="tmRoot"/>
-      </p:par>
-    </p:tnLst>
-  </p:timing>
 </p:sld>
 </file>
 
@@ -10491,13 +10110,8 @@
           <a:p>
             <a:r>
               <a:rPr lang="en-US" dirty="0"/>
-              <a:t>Data </a:t>
-            </a:r>
-            <a:r>
-              <a:rPr lang="en-US" dirty="0" smtClean="0"/>
-              <a:t>Description(I)</a:t>
-            </a:r>
-            <a:endParaRPr lang="en-US" dirty="0"/>
+              <a:t>Data Description(I)</a:t>
+            </a:r>
           </a:p>
         </p:txBody>
       </p:sp>
@@ -10565,7 +10179,7 @@
                         <a:defRPr/>
                       </a:pPr>
                       <a:r>
-                        <a:rPr lang="en-US" sz="2000" dirty="0" smtClean="0"/>
+                        <a:rPr lang="en-US" sz="2000" dirty="0"/>
                         <a:t>Nugget Labels</a:t>
                       </a:r>
                     </a:p>
@@ -10596,10 +10210,9 @@
                     <a:p>
                       <a:pPr algn="ctr"/>
                       <a:r>
-                        <a:rPr lang="en-US" sz="1200" dirty="0" smtClean="0"/>
+                        <a:rPr lang="en-US" sz="1200" dirty="0"/>
                         <a:t>CNUG0</a:t>
                       </a:r>
-                      <a:endParaRPr lang="en-US" sz="1200" dirty="0"/>
                     </a:p>
                   </a:txBody>
                   <a:tcPr/>
@@ -10627,7 +10240,7 @@
                         <a:defRPr/>
                       </a:pPr>
                       <a:r>
-                        <a:rPr lang="en-US" sz="1200" dirty="0" smtClean="0"/>
+                        <a:rPr lang="en-US" sz="1200" dirty="0"/>
                         <a:t>Customer trigger</a:t>
                       </a:r>
                     </a:p>
@@ -10648,10 +10261,9 @@
                     <a:p>
                       <a:pPr algn="ctr"/>
                       <a:r>
-                        <a:rPr lang="en-US" sz="1200" dirty="0" smtClean="0"/>
+                        <a:rPr lang="en-US" sz="1200" dirty="0"/>
                         <a:t>CNUG*</a:t>
                       </a:r>
-                      <a:endParaRPr lang="en-US" sz="1200" dirty="0"/>
                     </a:p>
                   </a:txBody>
                   <a:tcPr/>
@@ -10679,7 +10291,7 @@
                         <a:defRPr/>
                       </a:pPr>
                       <a:r>
-                        <a:rPr lang="en-US" sz="1200" dirty="0" smtClean="0"/>
+                        <a:rPr lang="en-US" sz="1200" dirty="0"/>
                         <a:t>Customer goal</a:t>
                       </a:r>
                     </a:p>
@@ -10700,10 +10312,9 @@
                     <a:p>
                       <a:pPr algn="ctr"/>
                       <a:r>
-                        <a:rPr lang="en-US" sz="1200" dirty="0" smtClean="0"/>
+                        <a:rPr lang="en-US" sz="1200" dirty="0"/>
                         <a:t>HNUG*</a:t>
                       </a:r>
-                      <a:endParaRPr lang="en-US" sz="1200" dirty="0"/>
                     </a:p>
                   </a:txBody>
                   <a:tcPr/>
@@ -10731,7 +10342,7 @@
                         <a:defRPr/>
                       </a:pPr>
                       <a:r>
-                        <a:rPr lang="en-US" sz="1200" dirty="0" smtClean="0"/>
+                        <a:rPr lang="en-US" sz="1200" dirty="0"/>
                         <a:t>Helpdesk goal</a:t>
                       </a:r>
                     </a:p>
@@ -10752,10 +10363,9 @@
                     <a:p>
                       <a:pPr algn="ctr"/>
                       <a:r>
-                        <a:rPr lang="en-US" sz="1200" dirty="0" smtClean="0"/>
+                        <a:rPr lang="en-US" sz="1200" dirty="0"/>
                         <a:t>CNUG</a:t>
                       </a:r>
-                      <a:endParaRPr lang="en-US" sz="1200" dirty="0"/>
                     </a:p>
                   </a:txBody>
                   <a:tcPr/>
@@ -10783,7 +10393,7 @@
                         <a:defRPr/>
                       </a:pPr>
                       <a:r>
-                        <a:rPr lang="en-US" sz="1200" dirty="0" smtClean="0"/>
+                        <a:rPr lang="en-US" sz="1200" dirty="0"/>
                         <a:t>Customer regular nugget</a:t>
                       </a:r>
                     </a:p>
@@ -10804,10 +10414,9 @@
                     <a:p>
                       <a:pPr algn="ctr"/>
                       <a:r>
-                        <a:rPr lang="en-US" sz="1200" dirty="0" smtClean="0"/>
+                        <a:rPr lang="en-US" sz="1200" dirty="0"/>
                         <a:t>HNUG</a:t>
                       </a:r>
-                      <a:endParaRPr lang="en-US" sz="1200" dirty="0"/>
                     </a:p>
                   </a:txBody>
                   <a:tcPr/>
@@ -10835,7 +10444,7 @@
                         <a:defRPr/>
                       </a:pPr>
                       <a:r>
-                        <a:rPr lang="en-US" sz="1200" dirty="0" smtClean="0"/>
+                        <a:rPr lang="en-US" sz="1200" dirty="0"/>
                         <a:t>Helpdesk regular nugget</a:t>
                       </a:r>
                     </a:p>
@@ -10856,7 +10465,7 @@
                     <a:p>
                       <a:pPr algn="ctr"/>
                       <a:r>
-                        <a:rPr lang="en-US" sz="1200" dirty="0" err="1" smtClean="0"/>
+                        <a:rPr lang="en-US" sz="1200" dirty="0" err="1"/>
                         <a:t>CNaN</a:t>
                       </a:r>
                       <a:endParaRPr lang="en-US" sz="1200" dirty="0"/>
@@ -10870,10 +10479,9 @@
                     <a:lstStyle/>
                     <a:p>
                       <a:r>
-                        <a:rPr lang="en-US" sz="1200" dirty="0" smtClean="0"/>
+                        <a:rPr lang="en-US" sz="1200" dirty="0"/>
                         <a:t>Customer Not-a-Nugget</a:t>
                       </a:r>
-                      <a:endParaRPr lang="en-US" sz="1200" dirty="0"/>
                     </a:p>
                   </a:txBody>
                   <a:tcPr/>
@@ -10892,7 +10500,7 @@
                     <a:p>
                       <a:pPr algn="ctr"/>
                       <a:r>
-                        <a:rPr lang="en-US" sz="1200" dirty="0" err="1" smtClean="0"/>
+                        <a:rPr lang="en-US" sz="1200" dirty="0" err="1"/>
                         <a:t>HNaN</a:t>
                       </a:r>
                       <a:endParaRPr lang="en-US" sz="1200" dirty="0"/>
@@ -10923,7 +10531,7 @@
                         <a:defRPr/>
                       </a:pPr>
                       <a:r>
-                        <a:rPr lang="en-US" sz="1200" dirty="0" smtClean="0"/>
+                        <a:rPr lang="en-US" sz="1200" dirty="0"/>
                         <a:t>Helpdesk Not-a-Nugget</a:t>
                       </a:r>
                     </a:p>
@@ -11010,13 +10618,6 @@
   <p:clrMapOvr>
     <a:masterClrMapping/>
   </p:clrMapOvr>
-  <p:timing>
-    <p:tnLst>
-      <p:par>
-        <p:cTn id="1" dur="indefinite" restart="never" nodeType="tmRoot"/>
-      </p:par>
-    </p:tnLst>
-  </p:timing>
 </p:sld>
 </file>
 
@@ -11054,13 +10655,8 @@
           <a:p>
             <a:r>
               <a:rPr lang="en-US" dirty="0"/>
-              <a:t>Data </a:t>
-            </a:r>
-            <a:r>
-              <a:rPr lang="en-US" dirty="0" smtClean="0"/>
-              <a:t>Description(II)</a:t>
-            </a:r>
-            <a:endParaRPr lang="en-US" dirty="0"/>
+              <a:t>Data Description(II)</a:t>
+            </a:r>
           </a:p>
         </p:txBody>
       </p:sp>
@@ -11125,14 +10721,14 @@
             <a:p>
               <a:pPr algn="ctr"/>
               <a:r>
-                <a:rPr lang="en-US" dirty="0" smtClean="0"/>
+                <a:rPr lang="en-US" dirty="0"/>
                 <a:t>Chinese dataset</a:t>
               </a:r>
             </a:p>
             <a:p>
               <a:pPr algn="ctr"/>
               <a:r>
-                <a:rPr lang="en-US" dirty="0" smtClean="0"/>
+                <a:rPr lang="en-US" dirty="0"/>
                 <a:t>4090 </a:t>
               </a:r>
             </a:p>
@@ -11255,17 +10851,16 @@
             <a:p>
               <a:pPr algn="ctr"/>
               <a:r>
-                <a:rPr lang="en-US" dirty="0" smtClean="0"/>
+                <a:rPr lang="en-US" dirty="0"/>
                 <a:t>Train</a:t>
               </a:r>
             </a:p>
             <a:p>
               <a:pPr algn="ctr"/>
               <a:r>
-                <a:rPr lang="en-US" dirty="0" smtClean="0"/>
+                <a:rPr lang="en-US" dirty="0"/>
                 <a:t>3700</a:t>
               </a:r>
-              <a:endParaRPr lang="en-US" dirty="0"/>
             </a:p>
           </p:txBody>
         </p:sp>
@@ -11316,17 +10911,16 @@
             <a:p>
               <a:pPr algn="ctr"/>
               <a:r>
-                <a:rPr lang="en-US" dirty="0" smtClean="0"/>
+                <a:rPr lang="en-US" dirty="0"/>
                 <a:t>Dev</a:t>
               </a:r>
             </a:p>
             <a:p>
               <a:pPr algn="ctr"/>
               <a:r>
-                <a:rPr lang="en-US" dirty="0" smtClean="0"/>
+                <a:rPr lang="en-US" dirty="0"/>
                 <a:t>390</a:t>
               </a:r>
-              <a:endParaRPr lang="en-US" dirty="0"/>
             </a:p>
           </p:txBody>
         </p:sp>
@@ -11354,15 +10948,7 @@
             <a:p>
               <a:r>
                 <a:rPr lang="en-US" sz="1100" dirty="0"/>
-                <a:t>C</a:t>
-              </a:r>
-              <a:r>
-                <a:rPr lang="en-US" sz="1100" dirty="0" smtClean="0"/>
-                <a:t>rawled </a:t>
-              </a:r>
-              <a:r>
-                <a:rPr lang="en-US" sz="1100" dirty="0"/>
-                <a:t>from </a:t>
+                <a:t>Crawled from </a:t>
               </a:r>
               <a:r>
                 <a:rPr lang="en-US" sz="1100" dirty="0">
@@ -11413,13 +10999,6 @@
   <p:clrMapOvr>
     <a:masterClrMapping/>
   </p:clrMapOvr>
-  <p:timing>
-    <p:tnLst>
-      <p:par>
-        <p:cTn id="1" dur="indefinite" restart="never" nodeType="tmRoot"/>
-      </p:par>
-    </p:tnLst>
-  </p:timing>
 </p:sld>
 </file>
 
@@ -11541,13 +11120,6 @@
   <p:clrMapOvr>
     <a:masterClrMapping/>
   </p:clrMapOvr>
-  <p:timing>
-    <p:tnLst>
-      <p:par>
-        <p:cTn id="1" dur="indefinite" restart="never" nodeType="tmRoot"/>
-      </p:par>
-    </p:tnLst>
-  </p:timing>
 </p:sld>
 </file>
 
@@ -11585,13 +11157,8 @@
           <a:p>
             <a:r>
               <a:rPr lang="en-US" dirty="0"/>
-              <a:t>Approaches and </a:t>
-            </a:r>
-            <a:r>
-              <a:rPr lang="en-US" dirty="0" smtClean="0"/>
-              <a:t>Progress(I)</a:t>
-            </a:r>
-            <a:endParaRPr lang="en-US" dirty="0"/>
+              <a:t>Approaches and Progress(I)</a:t>
+            </a:r>
           </a:p>
         </p:txBody>
       </p:sp>
@@ -11619,33 +11186,33 @@
               <a:buNone/>
             </a:pPr>
             <a:r>
-              <a:rPr lang="en-US" dirty="0" smtClean="0"/>
+              <a:rPr lang="en-US" dirty="0"/>
               <a:t>For preprocessing,</a:t>
             </a:r>
           </a:p>
           <a:p>
             <a:r>
-              <a:rPr lang="en-US" dirty="0" smtClean="0"/>
+              <a:rPr lang="en-US" dirty="0"/>
               <a:t>The main obstacle we are facing now is about the </a:t>
             </a:r>
             <a:r>
-              <a:rPr lang="en-US" b="1" u="sng" dirty="0" smtClean="0"/>
+              <a:rPr lang="en-US" b="1" u="sng" dirty="0"/>
               <a:t>ambiguous</a:t>
             </a:r>
             <a:r>
-              <a:rPr lang="zh-TW" altLang="en-US" b="1" u="sng" dirty="0" smtClean="0"/>
+              <a:rPr lang="zh-TW" altLang="en-US" b="1" u="sng" dirty="0"/>
               <a:t> </a:t>
             </a:r>
             <a:r>
-              <a:rPr lang="en-US" altLang="zh-TW" b="1" u="sng" dirty="0" smtClean="0"/>
+              <a:rPr lang="en-US" altLang="zh-TW" b="1" u="sng" dirty="0"/>
               <a:t>evaluation method</a:t>
             </a:r>
             <a:r>
-              <a:rPr lang="en-US" altLang="zh-TW" dirty="0" smtClean="0"/>
+              <a:rPr lang="en-US" altLang="zh-TW" dirty="0"/>
               <a:t>… So we are first accumulating the </a:t>
             </a:r>
             <a:r>
-              <a:rPr lang="en-US" altLang="zh-TW" b="1" dirty="0" smtClean="0"/>
+              <a:rPr lang="en-US" altLang="zh-TW" b="1" dirty="0"/>
               <a:t>maximum nugget</a:t>
             </a:r>
             <a:r>
@@ -11653,43 +11220,43 @@
               <a:t> </a:t>
             </a:r>
             <a:r>
-              <a:rPr lang="en-US" altLang="zh-TW" dirty="0" smtClean="0"/>
+              <a:rPr lang="en-US" altLang="zh-TW" dirty="0"/>
               <a:t>for each utterance (donated as </a:t>
             </a:r>
             <a:r>
-              <a:rPr lang="en-US" altLang="zh-TW" b="1" dirty="0" err="1" smtClean="0"/>
+              <a:rPr lang="en-US" altLang="zh-TW" b="1" dirty="0" err="1"/>
               <a:t>max_nugget</a:t>
             </a:r>
             <a:r>
-              <a:rPr lang="en-US" altLang="zh-TW" dirty="0" smtClean="0"/>
+              <a:rPr lang="en-US" altLang="zh-TW" dirty="0"/>
               <a:t>) that simplifying the </a:t>
             </a:r>
             <a:r>
-              <a:rPr lang="en-US" altLang="zh-TW" u="sng" dirty="0" smtClean="0"/>
+              <a:rPr lang="en-US" altLang="zh-TW" u="sng" dirty="0"/>
               <a:t>multi-</a:t>
             </a:r>
             <a:r>
-              <a:rPr lang="en-US" altLang="zh-TW" u="sng" dirty="0" err="1" smtClean="0"/>
+              <a:rPr lang="en-US" altLang="zh-TW" u="sng" dirty="0" err="1"/>
               <a:t>labels_multi_classification</a:t>
             </a:r>
             <a:r>
-              <a:rPr lang="en-US" altLang="zh-TW" u="sng" dirty="0" smtClean="0"/>
+              <a:rPr lang="en-US" altLang="zh-TW" u="sng" dirty="0"/>
               <a:t> </a:t>
             </a:r>
             <a:r>
-              <a:rPr lang="en-US" altLang="zh-TW" dirty="0" smtClean="0"/>
+              <a:rPr lang="en-US" altLang="zh-TW" dirty="0"/>
               <a:t>into an </a:t>
             </a:r>
             <a:r>
-              <a:rPr lang="en-US" altLang="zh-TW" u="sng" dirty="0" smtClean="0"/>
+              <a:rPr lang="en-US" altLang="zh-TW" u="sng" dirty="0"/>
               <a:t>single-</a:t>
             </a:r>
             <a:r>
-              <a:rPr lang="en-US" altLang="zh-TW" u="sng" dirty="0" err="1" smtClean="0"/>
+              <a:rPr lang="en-US" altLang="zh-TW" u="sng" dirty="0" err="1"/>
               <a:t>labels_multiple</a:t>
             </a:r>
             <a:r>
-              <a:rPr lang="en-US" altLang="zh-TW" u="sng" dirty="0" smtClean="0"/>
+              <a:rPr lang="en-US" altLang="zh-TW" u="sng" dirty="0"/>
               <a:t>-classification issue.</a:t>
             </a:r>
           </a:p>
@@ -12599,7 +12166,7 @@
           <a:lstStyle/>
           <a:p>
             <a:r>
-              <a:rPr lang="en-US" sz="2800" dirty="0" smtClean="0">
+              <a:rPr lang="en-US" sz="2800" dirty="0">
                 <a:solidFill>
                   <a:schemeClr val="accent1">
                     <a:lumMod val="50000"/>
@@ -12609,14 +12176,6 @@
               </a:rPr>
               <a:t>19 Nuggets</a:t>
             </a:r>
-            <a:endParaRPr lang="en-US" sz="2800" dirty="0">
-              <a:solidFill>
-                <a:schemeClr val="accent1">
-                  <a:lumMod val="50000"/>
-                </a:schemeClr>
-              </a:solidFill>
-              <a:latin typeface="Arial Rounded MT Bold" panose="020F0704030504030204" pitchFamily="34" charset="0"/>
-            </a:endParaRPr>
           </a:p>
         </p:txBody>
       </p:sp>
@@ -12665,10 +12224,9 @@
           <a:p>
             <a:pPr algn="ctr"/>
             <a:r>
-              <a:rPr lang="en-US" dirty="0" smtClean="0"/>
+              <a:rPr lang="en-US" dirty="0"/>
               <a:t>Maximum the nugget</a:t>
             </a:r>
-            <a:endParaRPr lang="en-US" dirty="0"/>
           </a:p>
         </p:txBody>
       </p:sp>
@@ -12758,7 +12316,7 @@
             <a:lstStyle/>
             <a:p>
               <a:r>
-                <a:rPr lang="en-US" sz="2400" dirty="0" smtClean="0">
+                <a:rPr lang="en-US" sz="2400" dirty="0">
                   <a:solidFill>
                     <a:schemeClr val="accent2">
                       <a:lumMod val="50000"/>
@@ -12768,14 +12326,6 @@
                 </a:rPr>
                 <a:t>1 Nugget</a:t>
               </a:r>
-              <a:endParaRPr lang="en-US" sz="2400" dirty="0">
-                <a:solidFill>
-                  <a:schemeClr val="accent2">
-                    <a:lumMod val="50000"/>
-                  </a:schemeClr>
-                </a:solidFill>
-                <a:latin typeface="Arial Rounded MT Bold" panose="020F0704030504030204" pitchFamily="34" charset="0"/>
-              </a:endParaRPr>
             </a:p>
           </p:txBody>
         </p:sp>
@@ -12803,10 +12353,9 @@
           <a:lstStyle/>
           <a:p>
             <a:r>
-              <a:rPr lang="en-US" sz="1600" dirty="0" smtClean="0"/>
+              <a:rPr lang="en-US" sz="1600" dirty="0"/>
               <a:t>For each utterance (sentence)</a:t>
             </a:r>
-            <a:endParaRPr lang="en-US" sz="1600" dirty="0"/>
           </a:p>
         </p:txBody>
       </p:sp>
@@ -12820,13 +12369,6 @@
   <p:clrMapOvr>
     <a:masterClrMapping/>
   </p:clrMapOvr>
-  <p:timing>
-    <p:tnLst>
-      <p:par>
-        <p:cTn id="1" dur="indefinite" restart="never" nodeType="tmRoot"/>
-      </p:par>
-    </p:tnLst>
-  </p:timing>
 </p:sld>
 </file>
 
@@ -12892,45 +12434,41 @@
           <a:lstStyle/>
           <a:p>
             <a:r>
-              <a:rPr lang="en-US" sz="1700" dirty="0" smtClean="0"/>
+              <a:rPr lang="en-US" sz="1700" dirty="0"/>
               <a:t>First, we decided not do any of optional preprocessing and just load the utterance as text dataset to see the outcome of the baseline ML(Top model and Bottom model) : </a:t>
             </a:r>
           </a:p>
           <a:p>
-            <a:endParaRPr lang="en-US" sz="1700" dirty="0" smtClean="0"/>
-          </a:p>
-          <a:p>
             <a:endParaRPr lang="en-US" sz="1700" dirty="0"/>
           </a:p>
           <a:p>
-            <a:endParaRPr lang="en-US" sz="1700" dirty="0" smtClean="0"/>
-          </a:p>
-          <a:p>
-            <a:endParaRPr lang="en-US" sz="1700" dirty="0" smtClean="0"/>
-          </a:p>
-          <a:p>
             <a:endParaRPr lang="en-US" sz="1700" dirty="0"/>
           </a:p>
           <a:p>
             <a:endParaRPr lang="en-US" sz="1700" dirty="0"/>
           </a:p>
           <a:p>
-            <a:endParaRPr lang="en-US" sz="1700" dirty="0" smtClean="0"/>
-          </a:p>
-          <a:p>
-            <a:endParaRPr lang="en-US" sz="1700" dirty="0" smtClean="0"/>
-          </a:p>
-          <a:p>
-            <a:endParaRPr lang="en-US" sz="1700" dirty="0" smtClean="0"/>
-          </a:p>
-          <a:p>
-            <a:r>
-              <a:rPr lang="en-US" sz="1700" dirty="0" smtClean="0"/>
-              <a:t>Secondly, </a:t>
-            </a:r>
+            <a:endParaRPr lang="en-US" sz="1700" dirty="0"/>
+          </a:p>
+          <a:p>
+            <a:endParaRPr lang="en-US" sz="1700" dirty="0"/>
+          </a:p>
+          <a:p>
+            <a:endParaRPr lang="en-US" sz="1700" dirty="0"/>
+          </a:p>
+          <a:p>
+            <a:endParaRPr lang="en-US" sz="1700" dirty="0"/>
+          </a:p>
+          <a:p>
+            <a:endParaRPr lang="en-US" sz="1700" dirty="0"/>
+          </a:p>
+          <a:p>
+            <a:endParaRPr lang="en-US" sz="1700" dirty="0"/>
+          </a:p>
+          <a:p>
             <a:r>
               <a:rPr lang="en-US" sz="1700" dirty="0"/>
-              <a:t>we are aimed to generate the </a:t>
+              <a:t>Secondly, we are aimed to generate the </a:t>
             </a:r>
             <a:r>
               <a:rPr lang="en-US" sz="1700" b="1" u="sng" dirty="0"/>
@@ -16226,10 +15764,9 @@
           <a:lstStyle/>
           <a:p>
             <a:r>
-              <a:rPr lang="en-US" b="1" dirty="0" smtClean="0"/>
+              <a:rPr lang="en-US" b="1" dirty="0"/>
               <a:t>First outcome</a:t>
             </a:r>
-            <a:endParaRPr lang="en-US" b="1" dirty="0"/>
           </a:p>
         </p:txBody>
       </p:sp>
@@ -16243,13 +15780,6 @@
   <p:clrMapOvr>
     <a:masterClrMapping/>
   </p:clrMapOvr>
-  <p:timing>
-    <p:tnLst>
-      <p:par>
-        <p:cTn id="1" dur="indefinite" restart="never" nodeType="tmRoot"/>
-      </p:par>
-    </p:tnLst>
-  </p:timing>
 </p:sld>
 </file>
 
